--- a/website/pptx/Reactor_Reflections.pptx
+++ b/website/pptx/Reactor_Reflections.pptx
@@ -8,19 +8,16 @@
     <p:sldMasterId id="2147483684" r:id="rId4"/>
   </p:sldMasterIdLst>
   <p:handoutMasterIdLst>
-    <p:handoutMasterId r:id="rId15"/>
+    <p:handoutMasterId r:id="rId12"/>
   </p:handoutMasterIdLst>
   <p:sldIdLst>
     <p:sldId id="256" r:id="rId5"/>
     <p:sldId id="262" r:id="rId6"/>
-    <p:sldId id="259" r:id="rId7"/>
-    <p:sldId id="274" r:id="rId8"/>
-    <p:sldId id="273" r:id="rId9"/>
-    <p:sldId id="265" r:id="rId10"/>
-    <p:sldId id="260" r:id="rId11"/>
-    <p:sldId id="272" r:id="rId12"/>
-    <p:sldId id="271" r:id="rId13"/>
-    <p:sldId id="270" r:id="rId14"/>
+    <p:sldId id="265" r:id="rId7"/>
+    <p:sldId id="260" r:id="rId8"/>
+    <p:sldId id="272" r:id="rId9"/>
+    <p:sldId id="271" r:id="rId10"/>
+    <p:sldId id="270" r:id="rId11"/>
   </p:sldIdLst>
   <p:sldSz cx="9144000" cy="6858000" type="screen4x3"/>
   <p:notesSz cx="6858000" cy="9144000"/>
@@ -250,7 +247,7 @@
           <a:p>
             <a:fld id="{096B1AE0-CCCF-4A33-B965-5C4C62E59094}" type="datetimeFigureOut">
               <a:rPr lang="en-US" smtClean="0"/>
-              <a:t>12/22/2017</a:t>
+              <a:t>3/2/2020</a:t>
             </a:fld>
             <a:endParaRPr lang="en-US"/>
           </a:p>
@@ -9467,97 +9464,6 @@
 </p:sld>
 </file>
 
-<file path=ppt/slides/slide10.xml><?xml version="1.0" encoding="utf-8"?>
-<p:sld xmlns:a="http://schemas.openxmlformats.org/drawingml/2006/main" xmlns:r="http://schemas.openxmlformats.org/officeDocument/2006/relationships" xmlns:p="http://schemas.openxmlformats.org/presentationml/2006/main">
-  <p:cSld>
-    <p:spTree>
-      <p:nvGrpSpPr>
-        <p:cNvPr id="1" name=""/>
-        <p:cNvGrpSpPr/>
-        <p:nvPr/>
-      </p:nvGrpSpPr>
-      <p:grpSpPr>
-        <a:xfrm>
-          <a:off x="0" y="0"/>
-          <a:ext cx="0" cy="0"/>
-          <a:chOff x="0" y="0"/>
-          <a:chExt cx="0" cy="0"/>
-        </a:xfrm>
-      </p:grpSpPr>
-      <p:sp>
-        <p:nvSpPr>
-          <p:cNvPr id="32770" name="Rectangle 2"/>
-          <p:cNvSpPr>
-            <a:spLocks noGrp="1" noChangeArrowheads="1"/>
-          </p:cNvSpPr>
-          <p:nvPr>
-            <p:ph type="title"/>
-          </p:nvPr>
-        </p:nvSpPr>
-        <p:spPr/>
-        <p:txBody>
-          <a:bodyPr/>
-          <a:lstStyle/>
-          <a:p>
-            <a:r>
-              <a:rPr lang="en-US" altLang="en-US"/>
-              <a:t>Suggestions and Comments</a:t>
-            </a:r>
-          </a:p>
-        </p:txBody>
-      </p:sp>
-      <p:sp>
-        <p:nvSpPr>
-          <p:cNvPr id="32771" name="Rectangle 3"/>
-          <p:cNvSpPr>
-            <a:spLocks noGrp="1" noChangeArrowheads="1"/>
-          </p:cNvSpPr>
-          <p:nvPr>
-            <p:ph idx="1"/>
-          </p:nvPr>
-        </p:nvSpPr>
-        <p:spPr/>
-        <p:txBody>
-          <a:bodyPr/>
-          <a:lstStyle/>
-          <a:p>
-            <a:r>
-              <a:rPr lang="en-US" altLang="en-US"/>
-              <a:t>The best ones focus on pedagogy (how could I improve the learning environment)</a:t>
-            </a:r>
-          </a:p>
-          <a:p>
-            <a:r>
-              <a:rPr lang="en-US" altLang="en-US"/>
-              <a:t>What are requirements that don’t produce much learning?</a:t>
-            </a:r>
-          </a:p>
-          <a:p>
-            <a:r>
-              <a:rPr lang="en-US" altLang="en-US"/>
-              <a:t>How could requirements be changed to increase the learning?</a:t>
-            </a:r>
-          </a:p>
-        </p:txBody>
-      </p:sp>
-    </p:spTree>
-  </p:cSld>
-  <p:clrMapOvr>
-    <a:masterClrMapping/>
-  </p:clrMapOvr>
-  <p:transition>
-    <p:fade/>
-  </p:transition>
-  <p:timing>
-    <p:tnLst>
-      <p:par>
-        <p:cTn id="1" dur="indefinite" restart="never" nodeType="tmRoot"/>
-      </p:par>
-    </p:tnLst>
-  </p:timing>
-</p:sld>
-</file>
-
 <file path=ppt/slides/slide2.xml><?xml version="1.0" encoding="utf-8"?>
 <p:sld xmlns:a="http://schemas.openxmlformats.org/drawingml/2006/main" xmlns:r="http://schemas.openxmlformats.org/officeDocument/2006/relationships" xmlns:p="http://schemas.openxmlformats.org/presentationml/2006/main">
   <p:cSld>
@@ -9655,3905 +9561,6 @@
       </p:grpSpPr>
       <p:sp>
         <p:nvSpPr>
-          <p:cNvPr id="10242" name="Rectangle 2"/>
-          <p:cNvSpPr>
-            <a:spLocks noGrp="1" noChangeArrowheads="1"/>
-          </p:cNvSpPr>
-          <p:nvPr>
-            <p:ph type="title"/>
-          </p:nvPr>
-        </p:nvSpPr>
-        <p:spPr/>
-        <p:txBody>
-          <a:bodyPr/>
-          <a:lstStyle/>
-          <a:p>
-            <a:r>
-              <a:rPr lang="en-US" altLang="en-US"/>
-              <a:t>Mass Balance</a:t>
-            </a:r>
-          </a:p>
-        </p:txBody>
-      </p:sp>
-      <p:sp>
-        <p:nvSpPr>
-          <p:cNvPr id="10243" name="Rectangle 3"/>
-          <p:cNvSpPr>
-            <a:spLocks noGrp="1" noChangeArrowheads="1"/>
-          </p:cNvSpPr>
-          <p:nvPr>
-            <p:ph idx="1"/>
-          </p:nvPr>
-        </p:nvSpPr>
-        <p:spPr/>
-        <p:txBody>
-          <a:bodyPr/>
-          <a:lstStyle/>
-          <a:p>
-            <a:pPr>
-              <a:lnSpc>
-                <a:spcPct val="90000"/>
-              </a:lnSpc>
-            </a:pPr>
-            <a:r>
-              <a:rPr lang="en-US" altLang="en-US" sz="2400"/>
-              <a:t>If the mass balance indicates an error then try to determine what caused the error</a:t>
-            </a:r>
-          </a:p>
-          <a:p>
-            <a:pPr>
-              <a:lnSpc>
-                <a:spcPct val="90000"/>
-              </a:lnSpc>
-            </a:pPr>
-            <a:r>
-              <a:rPr lang="en-US" altLang="en-US" sz="2400"/>
-              <a:t>What did you measure?</a:t>
-            </a:r>
-          </a:p>
-          <a:p>
-            <a:pPr lvl="1">
-              <a:lnSpc>
-                <a:spcPct val="90000"/>
-              </a:lnSpc>
-            </a:pPr>
-            <a:r>
-              <a:rPr lang="en-US" altLang="en-US" sz="2000"/>
-              <a:t>Tracer volume</a:t>
-            </a:r>
-          </a:p>
-          <a:p>
-            <a:pPr lvl="1">
-              <a:lnSpc>
-                <a:spcPct val="90000"/>
-              </a:lnSpc>
-            </a:pPr>
-            <a:r>
-              <a:rPr lang="en-US" altLang="en-US" sz="2000"/>
-              <a:t>Flow rate</a:t>
-            </a:r>
-          </a:p>
-          <a:p>
-            <a:pPr lvl="1">
-              <a:lnSpc>
-                <a:spcPct val="90000"/>
-              </a:lnSpc>
-            </a:pPr>
-            <a:r>
-              <a:rPr lang="en-US" altLang="en-US" sz="2000"/>
-              <a:t>pH</a:t>
-            </a:r>
-          </a:p>
-          <a:p>
-            <a:pPr lvl="1">
-              <a:lnSpc>
-                <a:spcPct val="90000"/>
-              </a:lnSpc>
-            </a:pPr>
-            <a:r>
-              <a:rPr lang="en-US" altLang="en-US" sz="2000"/>
-              <a:t>Reactor volume</a:t>
-            </a:r>
-          </a:p>
-          <a:p>
-            <a:pPr>
-              <a:lnSpc>
-                <a:spcPct val="90000"/>
-              </a:lnSpc>
-            </a:pPr>
-            <a:r>
-              <a:rPr lang="en-US" altLang="en-US" sz="2400"/>
-              <a:t>Which one of those measurements would explain the results you obtained? </a:t>
-            </a:r>
-          </a:p>
-          <a:p>
-            <a:pPr>
-              <a:lnSpc>
-                <a:spcPct val="90000"/>
-              </a:lnSpc>
-            </a:pPr>
-            <a:r>
-              <a:rPr lang="en-US" altLang="en-US" sz="2400"/>
-              <a:t>When discussing errors include your assessment of the culpability of each measured parameter or assumption</a:t>
-            </a:r>
-          </a:p>
-        </p:txBody>
-      </p:sp>
-    </p:spTree>
-  </p:cSld>
-  <p:clrMapOvr>
-    <a:masterClrMapping/>
-  </p:clrMapOvr>
-  <p:transition>
-    <p:fade/>
-  </p:transition>
-</p:sld>
-</file>
-
-<file path=ppt/slides/slide4.xml><?xml version="1.0" encoding="utf-8"?>
-<p:sld xmlns:a="http://schemas.openxmlformats.org/drawingml/2006/main" xmlns:r="http://schemas.openxmlformats.org/officeDocument/2006/relationships" xmlns:p="http://schemas.openxmlformats.org/presentationml/2006/main">
-  <p:cSld>
-    <p:spTree>
-      <p:nvGrpSpPr>
-        <p:cNvPr id="1" name=""/>
-        <p:cNvGrpSpPr/>
-        <p:nvPr/>
-      </p:nvGrpSpPr>
-      <p:grpSpPr>
-        <a:xfrm>
-          <a:off x="0" y="0"/>
-          <a:ext cx="0" cy="0"/>
-          <a:chOff x="0" y="0"/>
-          <a:chExt cx="0" cy="0"/>
-        </a:xfrm>
-      </p:grpSpPr>
-      <p:sp>
-        <p:nvSpPr>
-          <p:cNvPr id="36866" name="Rectangle 2"/>
-          <p:cNvSpPr>
-            <a:spLocks noGrp="1" noChangeArrowheads="1"/>
-          </p:cNvSpPr>
-          <p:nvPr>
-            <p:ph type="title"/>
-          </p:nvPr>
-        </p:nvSpPr>
-        <p:spPr/>
-        <p:txBody>
-          <a:bodyPr/>
-          <a:lstStyle/>
-          <a:p>
-            <a:r>
-              <a:rPr lang="en-US" altLang="en-US"/>
-              <a:t>Errors in Residence Time</a:t>
-            </a:r>
-            <a:endParaRPr lang="en-US" altLang="en-US">
-              <a:latin typeface="Symbol" panose="05050102010706020507" pitchFamily="18" charset="2"/>
-            </a:endParaRPr>
-          </a:p>
-        </p:txBody>
-      </p:sp>
-      <p:sp>
-        <p:nvSpPr>
-          <p:cNvPr id="36867" name="Rectangle 3"/>
-          <p:cNvSpPr>
-            <a:spLocks noGrp="1" noChangeArrowheads="1"/>
-          </p:cNvSpPr>
-          <p:nvPr>
-            <p:ph idx="1"/>
-          </p:nvPr>
-        </p:nvSpPr>
-        <p:spPr>
-          <a:xfrm>
-            <a:off x="685800" y="1981200"/>
-            <a:ext cx="7772400" cy="1385888"/>
-          </a:xfrm>
-        </p:spPr>
-        <p:txBody>
-          <a:bodyPr/>
-          <a:lstStyle/>
-          <a:p>
-            <a:pPr>
-              <a:lnSpc>
-                <a:spcPct val="90000"/>
-              </a:lnSpc>
-            </a:pPr>
-            <a:r>
-              <a:rPr lang="en-US" altLang="en-US" sz="2800"/>
-              <a:t>What are the two methods you used to calculate the residence time?</a:t>
-            </a:r>
-          </a:p>
-          <a:p>
-            <a:pPr>
-              <a:lnSpc>
-                <a:spcPct val="90000"/>
-              </a:lnSpc>
-            </a:pPr>
-            <a:r>
-              <a:rPr lang="en-US" altLang="en-US" sz="2800"/>
-              <a:t>Why might the two estimates be different?</a:t>
-            </a:r>
-          </a:p>
-        </p:txBody>
-      </p:sp>
-      <p:graphicFrame>
-        <p:nvGraphicFramePr>
-          <p:cNvPr id="36911" name="Group 47"/>
-          <p:cNvGraphicFramePr>
-            <a:graphicFrameLocks noGrp="1"/>
-          </p:cNvGraphicFramePr>
-          <p:nvPr/>
-        </p:nvGraphicFramePr>
-        <p:xfrm>
-          <a:off x="201613" y="3433763"/>
-          <a:ext cx="8770937" cy="3230880"/>
-        </p:xfrm>
-        <a:graphic>
-          <a:graphicData uri="http://schemas.openxmlformats.org/drawingml/2006/table">
-            <a:tbl>
-              <a:tblPr/>
-              <a:tblGrid>
-                <a:gridCol w="3062287">
-                  <a:extLst>
-                    <a:ext uri="{9D8B030D-6E8A-4147-A177-3AD203B41FA5}">
-                      <a16:colId xmlns:a16="http://schemas.microsoft.com/office/drawing/2014/main" val="551052541"/>
-                    </a:ext>
-                  </a:extLst>
-                </a:gridCol>
-                <a:gridCol w="2120900">
-                  <a:extLst>
-                    <a:ext uri="{9D8B030D-6E8A-4147-A177-3AD203B41FA5}">
-                      <a16:colId xmlns:a16="http://schemas.microsoft.com/office/drawing/2014/main" val="2399221680"/>
-                    </a:ext>
-                  </a:extLst>
-                </a:gridCol>
-                <a:gridCol w="3587750">
-                  <a:extLst>
-                    <a:ext uri="{9D8B030D-6E8A-4147-A177-3AD203B41FA5}">
-                      <a16:colId xmlns:a16="http://schemas.microsoft.com/office/drawing/2014/main" val="2818260653"/>
-                    </a:ext>
-                  </a:extLst>
-                </a:gridCol>
-              </a:tblGrid>
-              <a:tr h="762000">
-                <a:tc>
-                  <a:txBody>
-                    <a:bodyPr/>
-                    <a:lstStyle>
-                      <a:lvl1pPr>
-                        <a:spcBef>
-                          <a:spcPct val="20000"/>
-                        </a:spcBef>
-                        <a:buClr>
-                          <a:schemeClr val="accent1"/>
-                        </a:buClr>
-                        <a:buFont typeface="Wingdings" panose="05000000000000000000" pitchFamily="2" charset="2"/>
-                        <a:defRPr sz="2800">
-                          <a:solidFill>
-                            <a:schemeClr val="tx1"/>
-                          </a:solidFill>
-                          <a:latin typeface="Times New Roman" panose="02020603050405020304" pitchFamily="18" charset="0"/>
-                        </a:defRPr>
-                      </a:lvl1pPr>
-                      <a:lvl2pPr>
-                        <a:spcBef>
-                          <a:spcPct val="20000"/>
-                        </a:spcBef>
-                        <a:buClr>
-                          <a:schemeClr val="accent1"/>
-                        </a:buClr>
-                        <a:buFont typeface="Wingdings" panose="05000000000000000000" pitchFamily="2" charset="2"/>
-                        <a:defRPr sz="2400">
-                          <a:solidFill>
-                            <a:schemeClr val="tx1"/>
-                          </a:solidFill>
-                          <a:latin typeface="Times New Roman" panose="02020603050405020304" pitchFamily="18" charset="0"/>
-                        </a:defRPr>
-                      </a:lvl2pPr>
-                      <a:lvl3pPr>
-                        <a:spcBef>
-                          <a:spcPct val="20000"/>
-                        </a:spcBef>
-                        <a:buClr>
-                          <a:schemeClr val="accent1"/>
-                        </a:buClr>
-                        <a:buFont typeface="Wingdings" panose="05000000000000000000" pitchFamily="2" charset="2"/>
-                        <a:defRPr sz="2000">
-                          <a:solidFill>
-                            <a:schemeClr val="tx1"/>
-                          </a:solidFill>
-                          <a:latin typeface="Times New Roman" panose="02020603050405020304" pitchFamily="18" charset="0"/>
-                        </a:defRPr>
-                      </a:lvl3pPr>
-                      <a:lvl4pPr>
-                        <a:spcBef>
-                          <a:spcPct val="20000"/>
-                        </a:spcBef>
-                        <a:buClr>
-                          <a:schemeClr val="accent1"/>
-                        </a:buClr>
-                        <a:buFont typeface="Wingdings" panose="05000000000000000000" pitchFamily="2" charset="2"/>
-                        <a:defRPr>
-                          <a:solidFill>
-                            <a:schemeClr val="tx1"/>
-                          </a:solidFill>
-                          <a:latin typeface="Times New Roman" panose="02020603050405020304" pitchFamily="18" charset="0"/>
-                        </a:defRPr>
-                      </a:lvl4pPr>
-                      <a:lvl5pPr>
-                        <a:spcBef>
-                          <a:spcPct val="20000"/>
-                        </a:spcBef>
-                        <a:buClr>
-                          <a:schemeClr val="accent1"/>
-                        </a:buClr>
-                        <a:buFont typeface="Wingdings" panose="05000000000000000000" pitchFamily="2" charset="2"/>
-                        <a:defRPr>
-                          <a:solidFill>
-                            <a:schemeClr val="tx1"/>
-                          </a:solidFill>
-                          <a:latin typeface="Times New Roman" panose="02020603050405020304" pitchFamily="18" charset="0"/>
-                        </a:defRPr>
-                      </a:lvl5pPr>
-                      <a:lvl6pPr eaLnBrk="0" fontAlgn="base" hangingPunct="0">
-                        <a:spcBef>
-                          <a:spcPct val="20000"/>
-                        </a:spcBef>
-                        <a:spcAft>
-                          <a:spcPct val="0"/>
-                        </a:spcAft>
-                        <a:buClr>
-                          <a:schemeClr val="accent1"/>
-                        </a:buClr>
-                        <a:buFont typeface="Wingdings" panose="05000000000000000000" pitchFamily="2" charset="2"/>
-                        <a:defRPr>
-                          <a:solidFill>
-                            <a:schemeClr val="tx1"/>
-                          </a:solidFill>
-                          <a:latin typeface="Times New Roman" panose="02020603050405020304" pitchFamily="18" charset="0"/>
-                        </a:defRPr>
-                      </a:lvl6pPr>
-                      <a:lvl7pPr eaLnBrk="0" fontAlgn="base" hangingPunct="0">
-                        <a:spcBef>
-                          <a:spcPct val="20000"/>
-                        </a:spcBef>
-                        <a:spcAft>
-                          <a:spcPct val="0"/>
-                        </a:spcAft>
-                        <a:buClr>
-                          <a:schemeClr val="accent1"/>
-                        </a:buClr>
-                        <a:buFont typeface="Wingdings" panose="05000000000000000000" pitchFamily="2" charset="2"/>
-                        <a:defRPr>
-                          <a:solidFill>
-                            <a:schemeClr val="tx1"/>
-                          </a:solidFill>
-                          <a:latin typeface="Times New Roman" panose="02020603050405020304" pitchFamily="18" charset="0"/>
-                        </a:defRPr>
-                      </a:lvl7pPr>
-                      <a:lvl8pPr eaLnBrk="0" fontAlgn="base" hangingPunct="0">
-                        <a:spcBef>
-                          <a:spcPct val="20000"/>
-                        </a:spcBef>
-                        <a:spcAft>
-                          <a:spcPct val="0"/>
-                        </a:spcAft>
-                        <a:buClr>
-                          <a:schemeClr val="accent1"/>
-                        </a:buClr>
-                        <a:buFont typeface="Wingdings" panose="05000000000000000000" pitchFamily="2" charset="2"/>
-                        <a:defRPr>
-                          <a:solidFill>
-                            <a:schemeClr val="tx1"/>
-                          </a:solidFill>
-                          <a:latin typeface="Times New Roman" panose="02020603050405020304" pitchFamily="18" charset="0"/>
-                        </a:defRPr>
-                      </a:lvl8pPr>
-                      <a:lvl9pPr eaLnBrk="0" fontAlgn="base" hangingPunct="0">
-                        <a:spcBef>
-                          <a:spcPct val="20000"/>
-                        </a:spcBef>
-                        <a:spcAft>
-                          <a:spcPct val="0"/>
-                        </a:spcAft>
-                        <a:buClr>
-                          <a:schemeClr val="accent1"/>
-                        </a:buClr>
-                        <a:buFont typeface="Wingdings" panose="05000000000000000000" pitchFamily="2" charset="2"/>
-                        <a:defRPr>
-                          <a:solidFill>
-                            <a:schemeClr val="tx1"/>
-                          </a:solidFill>
-                          <a:latin typeface="Times New Roman" panose="02020603050405020304" pitchFamily="18" charset="0"/>
-                        </a:defRPr>
-                      </a:lvl9pPr>
-                    </a:lstStyle>
-                    <a:p>
-                      <a:pPr marL="0" marR="0" lvl="0" indent="0" algn="ctr" defTabSz="914400" rtl="0" eaLnBrk="0" fontAlgn="base" latinLnBrk="0" hangingPunct="0">
-                        <a:lnSpc>
-                          <a:spcPct val="100000"/>
-                        </a:lnSpc>
-                        <a:spcBef>
-                          <a:spcPct val="20000"/>
-                        </a:spcBef>
-                        <a:spcAft>
-                          <a:spcPct val="0"/>
-                        </a:spcAft>
-                        <a:buClr>
-                          <a:schemeClr val="accent1"/>
-                        </a:buClr>
-                        <a:buSzTx/>
-                        <a:buFont typeface="Wingdings" panose="05000000000000000000" pitchFamily="2" charset="2"/>
-                        <a:buNone/>
-                        <a:tabLst/>
-                      </a:pPr>
-                      <a:r>
-                        <a:rPr kumimoji="0" lang="en-US" altLang="en-US" sz="2800" b="0" i="0" u="none" strike="noStrike" cap="none" normalizeH="0" baseline="0" smtClean="0">
-                          <a:ln>
-                            <a:noFill/>
-                          </a:ln>
-                          <a:solidFill>
-                            <a:schemeClr val="tx1"/>
-                          </a:solidFill>
-                          <a:effectLst/>
-                          <a:latin typeface="Times New Roman" panose="02020603050405020304" pitchFamily="18" charset="0"/>
-                        </a:rPr>
-                        <a:t>reason</a:t>
-                      </a:r>
-                    </a:p>
-                  </a:txBody>
-                  <a:tcPr horzOverflow="overflow">
-                    <a:lnL w="28575" cap="flat" cmpd="sng" algn="ctr">
-                      <a:solidFill>
-                        <a:schemeClr val="tx1"/>
-                      </a:solidFill>
-                      <a:prstDash val="solid"/>
-                      <a:round/>
-                      <a:headEnd type="none" w="lg" len="med"/>
-                      <a:tailEnd type="none" w="lg" len="med"/>
-                    </a:lnL>
-                    <a:lnR w="12700" cap="flat" cmpd="sng" algn="ctr">
-                      <a:solidFill>
-                        <a:schemeClr val="tx1"/>
-                      </a:solidFill>
-                      <a:prstDash val="solid"/>
-                      <a:round/>
-                      <a:headEnd type="none" w="lg" len="med"/>
-                      <a:tailEnd type="none" w="lg" len="med"/>
-                    </a:lnR>
-                    <a:lnT w="28575" cap="flat" cmpd="sng" algn="ctr">
-                      <a:solidFill>
-                        <a:schemeClr val="tx1"/>
-                      </a:solidFill>
-                      <a:prstDash val="solid"/>
-                      <a:round/>
-                      <a:headEnd type="none" w="lg" len="med"/>
-                      <a:tailEnd type="none" w="lg" len="med"/>
-                    </a:lnT>
-                    <a:lnB w="12700" cap="flat" cmpd="sng" algn="ctr">
-                      <a:solidFill>
-                        <a:schemeClr val="tx1"/>
-                      </a:solidFill>
-                      <a:prstDash val="solid"/>
-                      <a:round/>
-                      <a:headEnd type="none" w="lg" len="med"/>
-                      <a:tailEnd type="none" w="lg" len="med"/>
-                    </a:lnB>
-                    <a:lnTlToBr>
-                      <a:noFill/>
-                    </a:lnTlToBr>
-                    <a:lnBlToTr>
-                      <a:noFill/>
-                    </a:lnBlToTr>
-                    <a:noFill/>
-                  </a:tcPr>
-                </a:tc>
-                <a:tc>
-                  <a:txBody>
-                    <a:bodyPr/>
-                    <a:lstStyle>
-                      <a:lvl1pPr>
-                        <a:spcBef>
-                          <a:spcPct val="20000"/>
-                        </a:spcBef>
-                        <a:buClr>
-                          <a:schemeClr val="accent1"/>
-                        </a:buClr>
-                        <a:buFont typeface="Wingdings" panose="05000000000000000000" pitchFamily="2" charset="2"/>
-                        <a:defRPr sz="2800">
-                          <a:solidFill>
-                            <a:schemeClr val="tx1"/>
-                          </a:solidFill>
-                          <a:latin typeface="Times New Roman" panose="02020603050405020304" pitchFamily="18" charset="0"/>
-                        </a:defRPr>
-                      </a:lvl1pPr>
-                      <a:lvl2pPr>
-                        <a:spcBef>
-                          <a:spcPct val="20000"/>
-                        </a:spcBef>
-                        <a:buClr>
-                          <a:schemeClr val="accent1"/>
-                        </a:buClr>
-                        <a:buFont typeface="Wingdings" panose="05000000000000000000" pitchFamily="2" charset="2"/>
-                        <a:defRPr sz="2400">
-                          <a:solidFill>
-                            <a:schemeClr val="tx1"/>
-                          </a:solidFill>
-                          <a:latin typeface="Times New Roman" panose="02020603050405020304" pitchFamily="18" charset="0"/>
-                        </a:defRPr>
-                      </a:lvl2pPr>
-                      <a:lvl3pPr>
-                        <a:spcBef>
-                          <a:spcPct val="20000"/>
-                        </a:spcBef>
-                        <a:buClr>
-                          <a:schemeClr val="accent1"/>
-                        </a:buClr>
-                        <a:buFont typeface="Wingdings" panose="05000000000000000000" pitchFamily="2" charset="2"/>
-                        <a:defRPr sz="2000">
-                          <a:solidFill>
-                            <a:schemeClr val="tx1"/>
-                          </a:solidFill>
-                          <a:latin typeface="Times New Roman" panose="02020603050405020304" pitchFamily="18" charset="0"/>
-                        </a:defRPr>
-                      </a:lvl3pPr>
-                      <a:lvl4pPr>
-                        <a:spcBef>
-                          <a:spcPct val="20000"/>
-                        </a:spcBef>
-                        <a:buClr>
-                          <a:schemeClr val="accent1"/>
-                        </a:buClr>
-                        <a:buFont typeface="Wingdings" panose="05000000000000000000" pitchFamily="2" charset="2"/>
-                        <a:defRPr>
-                          <a:solidFill>
-                            <a:schemeClr val="tx1"/>
-                          </a:solidFill>
-                          <a:latin typeface="Times New Roman" panose="02020603050405020304" pitchFamily="18" charset="0"/>
-                        </a:defRPr>
-                      </a:lvl4pPr>
-                      <a:lvl5pPr>
-                        <a:spcBef>
-                          <a:spcPct val="20000"/>
-                        </a:spcBef>
-                        <a:buClr>
-                          <a:schemeClr val="accent1"/>
-                        </a:buClr>
-                        <a:buFont typeface="Wingdings" panose="05000000000000000000" pitchFamily="2" charset="2"/>
-                        <a:defRPr>
-                          <a:solidFill>
-                            <a:schemeClr val="tx1"/>
-                          </a:solidFill>
-                          <a:latin typeface="Times New Roman" panose="02020603050405020304" pitchFamily="18" charset="0"/>
-                        </a:defRPr>
-                      </a:lvl5pPr>
-                      <a:lvl6pPr eaLnBrk="0" fontAlgn="base" hangingPunct="0">
-                        <a:spcBef>
-                          <a:spcPct val="20000"/>
-                        </a:spcBef>
-                        <a:spcAft>
-                          <a:spcPct val="0"/>
-                        </a:spcAft>
-                        <a:buClr>
-                          <a:schemeClr val="accent1"/>
-                        </a:buClr>
-                        <a:buFont typeface="Wingdings" panose="05000000000000000000" pitchFamily="2" charset="2"/>
-                        <a:defRPr>
-                          <a:solidFill>
-                            <a:schemeClr val="tx1"/>
-                          </a:solidFill>
-                          <a:latin typeface="Times New Roman" panose="02020603050405020304" pitchFamily="18" charset="0"/>
-                        </a:defRPr>
-                      </a:lvl6pPr>
-                      <a:lvl7pPr eaLnBrk="0" fontAlgn="base" hangingPunct="0">
-                        <a:spcBef>
-                          <a:spcPct val="20000"/>
-                        </a:spcBef>
-                        <a:spcAft>
-                          <a:spcPct val="0"/>
-                        </a:spcAft>
-                        <a:buClr>
-                          <a:schemeClr val="accent1"/>
-                        </a:buClr>
-                        <a:buFont typeface="Wingdings" panose="05000000000000000000" pitchFamily="2" charset="2"/>
-                        <a:defRPr>
-                          <a:solidFill>
-                            <a:schemeClr val="tx1"/>
-                          </a:solidFill>
-                          <a:latin typeface="Times New Roman" panose="02020603050405020304" pitchFamily="18" charset="0"/>
-                        </a:defRPr>
-                      </a:lvl7pPr>
-                      <a:lvl8pPr eaLnBrk="0" fontAlgn="base" hangingPunct="0">
-                        <a:spcBef>
-                          <a:spcPct val="20000"/>
-                        </a:spcBef>
-                        <a:spcAft>
-                          <a:spcPct val="0"/>
-                        </a:spcAft>
-                        <a:buClr>
-                          <a:schemeClr val="accent1"/>
-                        </a:buClr>
-                        <a:buFont typeface="Wingdings" panose="05000000000000000000" pitchFamily="2" charset="2"/>
-                        <a:defRPr>
-                          <a:solidFill>
-                            <a:schemeClr val="tx1"/>
-                          </a:solidFill>
-                          <a:latin typeface="Times New Roman" panose="02020603050405020304" pitchFamily="18" charset="0"/>
-                        </a:defRPr>
-                      </a:lvl8pPr>
-                      <a:lvl9pPr eaLnBrk="0" fontAlgn="base" hangingPunct="0">
-                        <a:spcBef>
-                          <a:spcPct val="20000"/>
-                        </a:spcBef>
-                        <a:spcAft>
-                          <a:spcPct val="0"/>
-                        </a:spcAft>
-                        <a:buClr>
-                          <a:schemeClr val="accent1"/>
-                        </a:buClr>
-                        <a:buFont typeface="Wingdings" panose="05000000000000000000" pitchFamily="2" charset="2"/>
-                        <a:defRPr>
-                          <a:solidFill>
-                            <a:schemeClr val="tx1"/>
-                          </a:solidFill>
-                          <a:latin typeface="Times New Roman" panose="02020603050405020304" pitchFamily="18" charset="0"/>
-                        </a:defRPr>
-                      </a:lvl9pPr>
-                    </a:lstStyle>
-                    <a:p>
-                      <a:pPr marL="0" marR="0" lvl="0" indent="0" algn="ctr" defTabSz="914400" rtl="0" eaLnBrk="0" fontAlgn="base" latinLnBrk="0" hangingPunct="0">
-                        <a:lnSpc>
-                          <a:spcPct val="100000"/>
-                        </a:lnSpc>
-                        <a:spcBef>
-                          <a:spcPct val="20000"/>
-                        </a:spcBef>
-                        <a:spcAft>
-                          <a:spcPct val="0"/>
-                        </a:spcAft>
-                        <a:buClr>
-                          <a:schemeClr val="accent1"/>
-                        </a:buClr>
-                        <a:buSzTx/>
-                        <a:buFont typeface="Wingdings" panose="05000000000000000000" pitchFamily="2" charset="2"/>
-                        <a:buNone/>
-                        <a:tabLst/>
-                      </a:pPr>
-                      <a:endParaRPr kumimoji="0" lang="en-US" altLang="en-US" sz="2800" b="0" i="0" u="none" strike="noStrike" cap="none" normalizeH="0" baseline="0" smtClean="0">
-                        <a:ln>
-                          <a:noFill/>
-                        </a:ln>
-                        <a:solidFill>
-                          <a:schemeClr val="tx1"/>
-                        </a:solidFill>
-                        <a:effectLst/>
-                        <a:latin typeface="Times New Roman" panose="02020603050405020304" pitchFamily="18" charset="0"/>
-                      </a:endParaRPr>
-                    </a:p>
-                  </a:txBody>
-                  <a:tcPr horzOverflow="overflow">
-                    <a:lnL w="12700" cap="flat" cmpd="sng" algn="ctr">
-                      <a:solidFill>
-                        <a:schemeClr val="tx1"/>
-                      </a:solidFill>
-                      <a:prstDash val="solid"/>
-                      <a:round/>
-                      <a:headEnd type="none" w="lg" len="med"/>
-                      <a:tailEnd type="none" w="lg" len="med"/>
-                    </a:lnL>
-                    <a:lnR w="12700" cap="flat" cmpd="sng" algn="ctr">
-                      <a:solidFill>
-                        <a:schemeClr val="tx1"/>
-                      </a:solidFill>
-                      <a:prstDash val="solid"/>
-                      <a:round/>
-                      <a:headEnd type="none" w="lg" len="med"/>
-                      <a:tailEnd type="none" w="lg" len="med"/>
-                    </a:lnR>
-                    <a:lnT w="28575" cap="flat" cmpd="sng" algn="ctr">
-                      <a:solidFill>
-                        <a:schemeClr val="tx1"/>
-                      </a:solidFill>
-                      <a:prstDash val="solid"/>
-                      <a:round/>
-                      <a:headEnd type="none" w="lg" len="med"/>
-                      <a:tailEnd type="none" w="lg" len="med"/>
-                    </a:lnT>
-                    <a:lnB w="12700" cap="flat" cmpd="sng" algn="ctr">
-                      <a:solidFill>
-                        <a:schemeClr val="tx1"/>
-                      </a:solidFill>
-                      <a:prstDash val="solid"/>
-                      <a:round/>
-                      <a:headEnd type="none" w="lg" len="med"/>
-                      <a:tailEnd type="none" w="lg" len="med"/>
-                    </a:lnB>
-                    <a:lnTlToBr>
-                      <a:noFill/>
-                    </a:lnTlToBr>
-                    <a:lnBlToTr>
-                      <a:noFill/>
-                    </a:lnBlToTr>
-                    <a:noFill/>
-                  </a:tcPr>
-                </a:tc>
-                <a:tc>
-                  <a:txBody>
-                    <a:bodyPr/>
-                    <a:lstStyle>
-                      <a:lvl1pPr>
-                        <a:spcBef>
-                          <a:spcPct val="20000"/>
-                        </a:spcBef>
-                        <a:buClr>
-                          <a:schemeClr val="accent1"/>
-                        </a:buClr>
-                        <a:buFont typeface="Wingdings" panose="05000000000000000000" pitchFamily="2" charset="2"/>
-                        <a:defRPr sz="2800">
-                          <a:solidFill>
-                            <a:schemeClr val="tx1"/>
-                          </a:solidFill>
-                          <a:latin typeface="Times New Roman" panose="02020603050405020304" pitchFamily="18" charset="0"/>
-                        </a:defRPr>
-                      </a:lvl1pPr>
-                      <a:lvl2pPr>
-                        <a:spcBef>
-                          <a:spcPct val="20000"/>
-                        </a:spcBef>
-                        <a:buClr>
-                          <a:schemeClr val="accent1"/>
-                        </a:buClr>
-                        <a:buFont typeface="Wingdings" panose="05000000000000000000" pitchFamily="2" charset="2"/>
-                        <a:defRPr sz="2400">
-                          <a:solidFill>
-                            <a:schemeClr val="tx1"/>
-                          </a:solidFill>
-                          <a:latin typeface="Times New Roman" panose="02020603050405020304" pitchFamily="18" charset="0"/>
-                        </a:defRPr>
-                      </a:lvl2pPr>
-                      <a:lvl3pPr>
-                        <a:spcBef>
-                          <a:spcPct val="20000"/>
-                        </a:spcBef>
-                        <a:buClr>
-                          <a:schemeClr val="accent1"/>
-                        </a:buClr>
-                        <a:buFont typeface="Wingdings" panose="05000000000000000000" pitchFamily="2" charset="2"/>
-                        <a:defRPr sz="2000">
-                          <a:solidFill>
-                            <a:schemeClr val="tx1"/>
-                          </a:solidFill>
-                          <a:latin typeface="Times New Roman" panose="02020603050405020304" pitchFamily="18" charset="0"/>
-                        </a:defRPr>
-                      </a:lvl3pPr>
-                      <a:lvl4pPr>
-                        <a:spcBef>
-                          <a:spcPct val="20000"/>
-                        </a:spcBef>
-                        <a:buClr>
-                          <a:schemeClr val="accent1"/>
-                        </a:buClr>
-                        <a:buFont typeface="Wingdings" panose="05000000000000000000" pitchFamily="2" charset="2"/>
-                        <a:defRPr>
-                          <a:solidFill>
-                            <a:schemeClr val="tx1"/>
-                          </a:solidFill>
-                          <a:latin typeface="Times New Roman" panose="02020603050405020304" pitchFamily="18" charset="0"/>
-                        </a:defRPr>
-                      </a:lvl4pPr>
-                      <a:lvl5pPr>
-                        <a:spcBef>
-                          <a:spcPct val="20000"/>
-                        </a:spcBef>
-                        <a:buClr>
-                          <a:schemeClr val="accent1"/>
-                        </a:buClr>
-                        <a:buFont typeface="Wingdings" panose="05000000000000000000" pitchFamily="2" charset="2"/>
-                        <a:defRPr>
-                          <a:solidFill>
-                            <a:schemeClr val="tx1"/>
-                          </a:solidFill>
-                          <a:latin typeface="Times New Roman" panose="02020603050405020304" pitchFamily="18" charset="0"/>
-                        </a:defRPr>
-                      </a:lvl5pPr>
-                      <a:lvl6pPr eaLnBrk="0" fontAlgn="base" hangingPunct="0">
-                        <a:spcBef>
-                          <a:spcPct val="20000"/>
-                        </a:spcBef>
-                        <a:spcAft>
-                          <a:spcPct val="0"/>
-                        </a:spcAft>
-                        <a:buClr>
-                          <a:schemeClr val="accent1"/>
-                        </a:buClr>
-                        <a:buFont typeface="Wingdings" panose="05000000000000000000" pitchFamily="2" charset="2"/>
-                        <a:defRPr>
-                          <a:solidFill>
-                            <a:schemeClr val="tx1"/>
-                          </a:solidFill>
-                          <a:latin typeface="Times New Roman" panose="02020603050405020304" pitchFamily="18" charset="0"/>
-                        </a:defRPr>
-                      </a:lvl6pPr>
-                      <a:lvl7pPr eaLnBrk="0" fontAlgn="base" hangingPunct="0">
-                        <a:spcBef>
-                          <a:spcPct val="20000"/>
-                        </a:spcBef>
-                        <a:spcAft>
-                          <a:spcPct val="0"/>
-                        </a:spcAft>
-                        <a:buClr>
-                          <a:schemeClr val="accent1"/>
-                        </a:buClr>
-                        <a:buFont typeface="Wingdings" panose="05000000000000000000" pitchFamily="2" charset="2"/>
-                        <a:defRPr>
-                          <a:solidFill>
-                            <a:schemeClr val="tx1"/>
-                          </a:solidFill>
-                          <a:latin typeface="Times New Roman" panose="02020603050405020304" pitchFamily="18" charset="0"/>
-                        </a:defRPr>
-                      </a:lvl7pPr>
-                      <a:lvl8pPr eaLnBrk="0" fontAlgn="base" hangingPunct="0">
-                        <a:spcBef>
-                          <a:spcPct val="20000"/>
-                        </a:spcBef>
-                        <a:spcAft>
-                          <a:spcPct val="0"/>
-                        </a:spcAft>
-                        <a:buClr>
-                          <a:schemeClr val="accent1"/>
-                        </a:buClr>
-                        <a:buFont typeface="Wingdings" panose="05000000000000000000" pitchFamily="2" charset="2"/>
-                        <a:defRPr>
-                          <a:solidFill>
-                            <a:schemeClr val="tx1"/>
-                          </a:solidFill>
-                          <a:latin typeface="Times New Roman" panose="02020603050405020304" pitchFamily="18" charset="0"/>
-                        </a:defRPr>
-                      </a:lvl8pPr>
-                      <a:lvl9pPr eaLnBrk="0" fontAlgn="base" hangingPunct="0">
-                        <a:spcBef>
-                          <a:spcPct val="20000"/>
-                        </a:spcBef>
-                        <a:spcAft>
-                          <a:spcPct val="0"/>
-                        </a:spcAft>
-                        <a:buClr>
-                          <a:schemeClr val="accent1"/>
-                        </a:buClr>
-                        <a:buFont typeface="Wingdings" panose="05000000000000000000" pitchFamily="2" charset="2"/>
-                        <a:defRPr>
-                          <a:solidFill>
-                            <a:schemeClr val="tx1"/>
-                          </a:solidFill>
-                          <a:latin typeface="Times New Roman" panose="02020603050405020304" pitchFamily="18" charset="0"/>
-                        </a:defRPr>
-                      </a:lvl9pPr>
-                    </a:lstStyle>
-                    <a:p>
-                      <a:pPr marL="0" marR="0" lvl="0" indent="0" algn="ctr" defTabSz="914400" rtl="0" eaLnBrk="0" fontAlgn="base" latinLnBrk="0" hangingPunct="0">
-                        <a:lnSpc>
-                          <a:spcPct val="100000"/>
-                        </a:lnSpc>
-                        <a:spcBef>
-                          <a:spcPct val="20000"/>
-                        </a:spcBef>
-                        <a:spcAft>
-                          <a:spcPct val="0"/>
-                        </a:spcAft>
-                        <a:buClr>
-                          <a:schemeClr val="accent1"/>
-                        </a:buClr>
-                        <a:buSzTx/>
-                        <a:buFont typeface="Wingdings" panose="05000000000000000000" pitchFamily="2" charset="2"/>
-                        <a:buNone/>
-                        <a:tabLst/>
-                      </a:pPr>
-                      <a:r>
-                        <a:rPr kumimoji="0" lang="en-US" altLang="en-US" sz="2800" b="0" i="0" u="none" strike="noStrike" cap="none" normalizeH="0" baseline="0" smtClean="0">
-                          <a:ln>
-                            <a:noFill/>
-                          </a:ln>
-                          <a:solidFill>
-                            <a:schemeClr val="tx1"/>
-                          </a:solidFill>
-                          <a:effectLst/>
-                          <a:latin typeface="Times New Roman" panose="02020603050405020304" pitchFamily="18" charset="0"/>
-                        </a:rPr>
-                        <a:t>because</a:t>
-                      </a:r>
-                    </a:p>
-                  </a:txBody>
-                  <a:tcPr horzOverflow="overflow">
-                    <a:lnL w="12700" cap="flat" cmpd="sng" algn="ctr">
-                      <a:solidFill>
-                        <a:schemeClr val="tx1"/>
-                      </a:solidFill>
-                      <a:prstDash val="solid"/>
-                      <a:round/>
-                      <a:headEnd type="none" w="lg" len="med"/>
-                      <a:tailEnd type="none" w="lg" len="med"/>
-                    </a:lnL>
-                    <a:lnR w="28575" cap="flat" cmpd="sng" algn="ctr">
-                      <a:solidFill>
-                        <a:schemeClr val="tx1"/>
-                      </a:solidFill>
-                      <a:prstDash val="solid"/>
-                      <a:round/>
-                      <a:headEnd type="none" w="lg" len="med"/>
-                      <a:tailEnd type="none" w="lg" len="med"/>
-                    </a:lnR>
-                    <a:lnT w="28575" cap="flat" cmpd="sng" algn="ctr">
-                      <a:solidFill>
-                        <a:schemeClr val="tx1"/>
-                      </a:solidFill>
-                      <a:prstDash val="solid"/>
-                      <a:round/>
-                      <a:headEnd type="none" w="lg" len="med"/>
-                      <a:tailEnd type="none" w="lg" len="med"/>
-                    </a:lnT>
-                    <a:lnB w="12700" cap="flat" cmpd="sng" algn="ctr">
-                      <a:solidFill>
-                        <a:schemeClr val="tx1"/>
-                      </a:solidFill>
-                      <a:prstDash val="solid"/>
-                      <a:round/>
-                      <a:headEnd type="none" w="lg" len="med"/>
-                      <a:tailEnd type="none" w="lg" len="med"/>
-                    </a:lnB>
-                    <a:lnTlToBr>
-                      <a:noFill/>
-                    </a:lnTlToBr>
-                    <a:lnBlToTr>
-                      <a:noFill/>
-                    </a:lnBlToTr>
-                    <a:noFill/>
-                  </a:tcPr>
-                </a:tc>
-                <a:extLst>
-                  <a:ext uri="{0D108BD9-81ED-4DB2-BD59-A6C34878D82A}">
-                    <a16:rowId xmlns:a16="http://schemas.microsoft.com/office/drawing/2014/main" val="3679111713"/>
-                  </a:ext>
-                </a:extLst>
-              </a:tr>
-              <a:tr h="762000">
-                <a:tc>
-                  <a:txBody>
-                    <a:bodyPr/>
-                    <a:lstStyle>
-                      <a:lvl1pPr>
-                        <a:spcBef>
-                          <a:spcPct val="20000"/>
-                        </a:spcBef>
-                        <a:buClr>
-                          <a:schemeClr val="accent1"/>
-                        </a:buClr>
-                        <a:buFont typeface="Wingdings" panose="05000000000000000000" pitchFamily="2" charset="2"/>
-                        <a:defRPr sz="2800">
-                          <a:solidFill>
-                            <a:schemeClr val="tx1"/>
-                          </a:solidFill>
-                          <a:latin typeface="Times New Roman" panose="02020603050405020304" pitchFamily="18" charset="0"/>
-                        </a:defRPr>
-                      </a:lvl1pPr>
-                      <a:lvl2pPr>
-                        <a:spcBef>
-                          <a:spcPct val="20000"/>
-                        </a:spcBef>
-                        <a:buClr>
-                          <a:schemeClr val="accent1"/>
-                        </a:buClr>
-                        <a:buFont typeface="Wingdings" panose="05000000000000000000" pitchFamily="2" charset="2"/>
-                        <a:defRPr sz="2400">
-                          <a:solidFill>
-                            <a:schemeClr val="tx1"/>
-                          </a:solidFill>
-                          <a:latin typeface="Times New Roman" panose="02020603050405020304" pitchFamily="18" charset="0"/>
-                        </a:defRPr>
-                      </a:lvl2pPr>
-                      <a:lvl3pPr>
-                        <a:spcBef>
-                          <a:spcPct val="20000"/>
-                        </a:spcBef>
-                        <a:buClr>
-                          <a:schemeClr val="accent1"/>
-                        </a:buClr>
-                        <a:buFont typeface="Wingdings" panose="05000000000000000000" pitchFamily="2" charset="2"/>
-                        <a:defRPr sz="2000">
-                          <a:solidFill>
-                            <a:schemeClr val="tx1"/>
-                          </a:solidFill>
-                          <a:latin typeface="Times New Roman" panose="02020603050405020304" pitchFamily="18" charset="0"/>
-                        </a:defRPr>
-                      </a:lvl3pPr>
-                      <a:lvl4pPr>
-                        <a:spcBef>
-                          <a:spcPct val="20000"/>
-                        </a:spcBef>
-                        <a:buClr>
-                          <a:schemeClr val="accent1"/>
-                        </a:buClr>
-                        <a:buFont typeface="Wingdings" panose="05000000000000000000" pitchFamily="2" charset="2"/>
-                        <a:defRPr>
-                          <a:solidFill>
-                            <a:schemeClr val="tx1"/>
-                          </a:solidFill>
-                          <a:latin typeface="Times New Roman" panose="02020603050405020304" pitchFamily="18" charset="0"/>
-                        </a:defRPr>
-                      </a:lvl4pPr>
-                      <a:lvl5pPr>
-                        <a:spcBef>
-                          <a:spcPct val="20000"/>
-                        </a:spcBef>
-                        <a:buClr>
-                          <a:schemeClr val="accent1"/>
-                        </a:buClr>
-                        <a:buFont typeface="Wingdings" panose="05000000000000000000" pitchFamily="2" charset="2"/>
-                        <a:defRPr>
-                          <a:solidFill>
-                            <a:schemeClr val="tx1"/>
-                          </a:solidFill>
-                          <a:latin typeface="Times New Roman" panose="02020603050405020304" pitchFamily="18" charset="0"/>
-                        </a:defRPr>
-                      </a:lvl5pPr>
-                      <a:lvl6pPr eaLnBrk="0" fontAlgn="base" hangingPunct="0">
-                        <a:spcBef>
-                          <a:spcPct val="20000"/>
-                        </a:spcBef>
-                        <a:spcAft>
-                          <a:spcPct val="0"/>
-                        </a:spcAft>
-                        <a:buClr>
-                          <a:schemeClr val="accent1"/>
-                        </a:buClr>
-                        <a:buFont typeface="Wingdings" panose="05000000000000000000" pitchFamily="2" charset="2"/>
-                        <a:defRPr>
-                          <a:solidFill>
-                            <a:schemeClr val="tx1"/>
-                          </a:solidFill>
-                          <a:latin typeface="Times New Roman" panose="02020603050405020304" pitchFamily="18" charset="0"/>
-                        </a:defRPr>
-                      </a:lvl6pPr>
-                      <a:lvl7pPr eaLnBrk="0" fontAlgn="base" hangingPunct="0">
-                        <a:spcBef>
-                          <a:spcPct val="20000"/>
-                        </a:spcBef>
-                        <a:spcAft>
-                          <a:spcPct val="0"/>
-                        </a:spcAft>
-                        <a:buClr>
-                          <a:schemeClr val="accent1"/>
-                        </a:buClr>
-                        <a:buFont typeface="Wingdings" panose="05000000000000000000" pitchFamily="2" charset="2"/>
-                        <a:defRPr>
-                          <a:solidFill>
-                            <a:schemeClr val="tx1"/>
-                          </a:solidFill>
-                          <a:latin typeface="Times New Roman" panose="02020603050405020304" pitchFamily="18" charset="0"/>
-                        </a:defRPr>
-                      </a:lvl7pPr>
-                      <a:lvl8pPr eaLnBrk="0" fontAlgn="base" hangingPunct="0">
-                        <a:spcBef>
-                          <a:spcPct val="20000"/>
-                        </a:spcBef>
-                        <a:spcAft>
-                          <a:spcPct val="0"/>
-                        </a:spcAft>
-                        <a:buClr>
-                          <a:schemeClr val="accent1"/>
-                        </a:buClr>
-                        <a:buFont typeface="Wingdings" panose="05000000000000000000" pitchFamily="2" charset="2"/>
-                        <a:defRPr>
-                          <a:solidFill>
-                            <a:schemeClr val="tx1"/>
-                          </a:solidFill>
-                          <a:latin typeface="Times New Roman" panose="02020603050405020304" pitchFamily="18" charset="0"/>
-                        </a:defRPr>
-                      </a:lvl8pPr>
-                      <a:lvl9pPr eaLnBrk="0" fontAlgn="base" hangingPunct="0">
-                        <a:spcBef>
-                          <a:spcPct val="20000"/>
-                        </a:spcBef>
-                        <a:spcAft>
-                          <a:spcPct val="0"/>
-                        </a:spcAft>
-                        <a:buClr>
-                          <a:schemeClr val="accent1"/>
-                        </a:buClr>
-                        <a:buFont typeface="Wingdings" panose="05000000000000000000" pitchFamily="2" charset="2"/>
-                        <a:defRPr>
-                          <a:solidFill>
-                            <a:schemeClr val="tx1"/>
-                          </a:solidFill>
-                          <a:latin typeface="Times New Roman" panose="02020603050405020304" pitchFamily="18" charset="0"/>
-                        </a:defRPr>
-                      </a:lvl9pPr>
-                    </a:lstStyle>
-                    <a:p>
-                      <a:pPr marL="0" marR="0" lvl="0" indent="0" algn="l" defTabSz="914400" rtl="0" eaLnBrk="0" fontAlgn="base" latinLnBrk="0" hangingPunct="0">
-                        <a:lnSpc>
-                          <a:spcPct val="100000"/>
-                        </a:lnSpc>
-                        <a:spcBef>
-                          <a:spcPct val="20000"/>
-                        </a:spcBef>
-                        <a:spcAft>
-                          <a:spcPct val="0"/>
-                        </a:spcAft>
-                        <a:buClr>
-                          <a:schemeClr val="accent1"/>
-                        </a:buClr>
-                        <a:buSzTx/>
-                        <a:buFont typeface="Wingdings" panose="05000000000000000000" pitchFamily="2" charset="2"/>
-                        <a:buNone/>
-                        <a:tabLst/>
-                      </a:pPr>
-                      <a:r>
-                        <a:rPr kumimoji="0" lang="en-US" altLang="en-US" sz="2800" b="0" i="0" u="none" strike="noStrike" cap="none" normalizeH="0" baseline="0" smtClean="0">
-                          <a:ln>
-                            <a:noFill/>
-                          </a:ln>
-                          <a:solidFill>
-                            <a:schemeClr val="tx1"/>
-                          </a:solidFill>
-                          <a:effectLst/>
-                          <a:latin typeface="Times New Roman" panose="02020603050405020304" pitchFamily="18" charset="0"/>
-                        </a:rPr>
-                        <a:t>Dead volume</a:t>
-                      </a:r>
-                    </a:p>
-                  </a:txBody>
-                  <a:tcPr horzOverflow="overflow">
-                    <a:lnL w="28575" cap="flat" cmpd="sng" algn="ctr">
-                      <a:solidFill>
-                        <a:schemeClr val="tx1"/>
-                      </a:solidFill>
-                      <a:prstDash val="solid"/>
-                      <a:round/>
-                      <a:headEnd type="none" w="lg" len="med"/>
-                      <a:tailEnd type="none" w="lg" len="med"/>
-                    </a:lnL>
-                    <a:lnR w="12700" cap="flat" cmpd="sng" algn="ctr">
-                      <a:solidFill>
-                        <a:schemeClr val="tx1"/>
-                      </a:solidFill>
-                      <a:prstDash val="solid"/>
-                      <a:round/>
-                      <a:headEnd type="none" w="lg" len="med"/>
-                      <a:tailEnd type="none" w="lg" len="med"/>
-                    </a:lnR>
-                    <a:lnT w="12700" cap="flat" cmpd="sng" algn="ctr">
-                      <a:solidFill>
-                        <a:schemeClr val="tx1"/>
-                      </a:solidFill>
-                      <a:prstDash val="solid"/>
-                      <a:round/>
-                      <a:headEnd type="none" w="lg" len="med"/>
-                      <a:tailEnd type="none" w="lg" len="med"/>
-                    </a:lnT>
-                    <a:lnB w="12700" cap="flat" cmpd="sng" algn="ctr">
-                      <a:solidFill>
-                        <a:schemeClr val="tx1"/>
-                      </a:solidFill>
-                      <a:prstDash val="solid"/>
-                      <a:round/>
-                      <a:headEnd type="none" w="lg" len="med"/>
-                      <a:tailEnd type="none" w="lg" len="med"/>
-                    </a:lnB>
-                    <a:lnTlToBr>
-                      <a:noFill/>
-                    </a:lnTlToBr>
-                    <a:lnBlToTr>
-                      <a:noFill/>
-                    </a:lnBlToTr>
-                    <a:noFill/>
-                  </a:tcPr>
-                </a:tc>
-                <a:tc>
-                  <a:txBody>
-                    <a:bodyPr/>
-                    <a:lstStyle>
-                      <a:lvl1pPr>
-                        <a:spcBef>
-                          <a:spcPct val="20000"/>
-                        </a:spcBef>
-                        <a:buClr>
-                          <a:schemeClr val="accent1"/>
-                        </a:buClr>
-                        <a:buFont typeface="Wingdings" panose="05000000000000000000" pitchFamily="2" charset="2"/>
-                        <a:defRPr sz="2800">
-                          <a:solidFill>
-                            <a:schemeClr val="tx1"/>
-                          </a:solidFill>
-                          <a:latin typeface="Times New Roman" panose="02020603050405020304" pitchFamily="18" charset="0"/>
-                        </a:defRPr>
-                      </a:lvl1pPr>
-                      <a:lvl2pPr>
-                        <a:spcBef>
-                          <a:spcPct val="20000"/>
-                        </a:spcBef>
-                        <a:buClr>
-                          <a:schemeClr val="accent1"/>
-                        </a:buClr>
-                        <a:buFont typeface="Wingdings" panose="05000000000000000000" pitchFamily="2" charset="2"/>
-                        <a:defRPr sz="2400">
-                          <a:solidFill>
-                            <a:schemeClr val="tx1"/>
-                          </a:solidFill>
-                          <a:latin typeface="Times New Roman" panose="02020603050405020304" pitchFamily="18" charset="0"/>
-                        </a:defRPr>
-                      </a:lvl2pPr>
-                      <a:lvl3pPr>
-                        <a:spcBef>
-                          <a:spcPct val="20000"/>
-                        </a:spcBef>
-                        <a:buClr>
-                          <a:schemeClr val="accent1"/>
-                        </a:buClr>
-                        <a:buFont typeface="Wingdings" panose="05000000000000000000" pitchFamily="2" charset="2"/>
-                        <a:defRPr sz="2000">
-                          <a:solidFill>
-                            <a:schemeClr val="tx1"/>
-                          </a:solidFill>
-                          <a:latin typeface="Times New Roman" panose="02020603050405020304" pitchFamily="18" charset="0"/>
-                        </a:defRPr>
-                      </a:lvl3pPr>
-                      <a:lvl4pPr>
-                        <a:spcBef>
-                          <a:spcPct val="20000"/>
-                        </a:spcBef>
-                        <a:buClr>
-                          <a:schemeClr val="accent1"/>
-                        </a:buClr>
-                        <a:buFont typeface="Wingdings" panose="05000000000000000000" pitchFamily="2" charset="2"/>
-                        <a:defRPr>
-                          <a:solidFill>
-                            <a:schemeClr val="tx1"/>
-                          </a:solidFill>
-                          <a:latin typeface="Times New Roman" panose="02020603050405020304" pitchFamily="18" charset="0"/>
-                        </a:defRPr>
-                      </a:lvl4pPr>
-                      <a:lvl5pPr>
-                        <a:spcBef>
-                          <a:spcPct val="20000"/>
-                        </a:spcBef>
-                        <a:buClr>
-                          <a:schemeClr val="accent1"/>
-                        </a:buClr>
-                        <a:buFont typeface="Wingdings" panose="05000000000000000000" pitchFamily="2" charset="2"/>
-                        <a:defRPr>
-                          <a:solidFill>
-                            <a:schemeClr val="tx1"/>
-                          </a:solidFill>
-                          <a:latin typeface="Times New Roman" panose="02020603050405020304" pitchFamily="18" charset="0"/>
-                        </a:defRPr>
-                      </a:lvl5pPr>
-                      <a:lvl6pPr eaLnBrk="0" fontAlgn="base" hangingPunct="0">
-                        <a:spcBef>
-                          <a:spcPct val="20000"/>
-                        </a:spcBef>
-                        <a:spcAft>
-                          <a:spcPct val="0"/>
-                        </a:spcAft>
-                        <a:buClr>
-                          <a:schemeClr val="accent1"/>
-                        </a:buClr>
-                        <a:buFont typeface="Wingdings" panose="05000000000000000000" pitchFamily="2" charset="2"/>
-                        <a:defRPr>
-                          <a:solidFill>
-                            <a:schemeClr val="tx1"/>
-                          </a:solidFill>
-                          <a:latin typeface="Times New Roman" panose="02020603050405020304" pitchFamily="18" charset="0"/>
-                        </a:defRPr>
-                      </a:lvl6pPr>
-                      <a:lvl7pPr eaLnBrk="0" fontAlgn="base" hangingPunct="0">
-                        <a:spcBef>
-                          <a:spcPct val="20000"/>
-                        </a:spcBef>
-                        <a:spcAft>
-                          <a:spcPct val="0"/>
-                        </a:spcAft>
-                        <a:buClr>
-                          <a:schemeClr val="accent1"/>
-                        </a:buClr>
-                        <a:buFont typeface="Wingdings" panose="05000000000000000000" pitchFamily="2" charset="2"/>
-                        <a:defRPr>
-                          <a:solidFill>
-                            <a:schemeClr val="tx1"/>
-                          </a:solidFill>
-                          <a:latin typeface="Times New Roman" panose="02020603050405020304" pitchFamily="18" charset="0"/>
-                        </a:defRPr>
-                      </a:lvl7pPr>
-                      <a:lvl8pPr eaLnBrk="0" fontAlgn="base" hangingPunct="0">
-                        <a:spcBef>
-                          <a:spcPct val="20000"/>
-                        </a:spcBef>
-                        <a:spcAft>
-                          <a:spcPct val="0"/>
-                        </a:spcAft>
-                        <a:buClr>
-                          <a:schemeClr val="accent1"/>
-                        </a:buClr>
-                        <a:buFont typeface="Wingdings" panose="05000000000000000000" pitchFamily="2" charset="2"/>
-                        <a:defRPr>
-                          <a:solidFill>
-                            <a:schemeClr val="tx1"/>
-                          </a:solidFill>
-                          <a:latin typeface="Times New Roman" panose="02020603050405020304" pitchFamily="18" charset="0"/>
-                        </a:defRPr>
-                      </a:lvl8pPr>
-                      <a:lvl9pPr eaLnBrk="0" fontAlgn="base" hangingPunct="0">
-                        <a:spcBef>
-                          <a:spcPct val="20000"/>
-                        </a:spcBef>
-                        <a:spcAft>
-                          <a:spcPct val="0"/>
-                        </a:spcAft>
-                        <a:buClr>
-                          <a:schemeClr val="accent1"/>
-                        </a:buClr>
-                        <a:buFont typeface="Wingdings" panose="05000000000000000000" pitchFamily="2" charset="2"/>
-                        <a:defRPr>
-                          <a:solidFill>
-                            <a:schemeClr val="tx1"/>
-                          </a:solidFill>
-                          <a:latin typeface="Times New Roman" panose="02020603050405020304" pitchFamily="18" charset="0"/>
-                        </a:defRPr>
-                      </a:lvl9pPr>
-                    </a:lstStyle>
-                    <a:p>
-                      <a:pPr marL="0" marR="0" lvl="0" indent="0" algn="ctr" defTabSz="914400" rtl="0" eaLnBrk="0" fontAlgn="base" latinLnBrk="0" hangingPunct="0">
-                        <a:lnSpc>
-                          <a:spcPct val="100000"/>
-                        </a:lnSpc>
-                        <a:spcBef>
-                          <a:spcPct val="20000"/>
-                        </a:spcBef>
-                        <a:spcAft>
-                          <a:spcPct val="0"/>
-                        </a:spcAft>
-                        <a:buClr>
-                          <a:schemeClr val="accent1"/>
-                        </a:buClr>
-                        <a:buSzTx/>
-                        <a:buFont typeface="Wingdings" panose="05000000000000000000" pitchFamily="2" charset="2"/>
-                        <a:buNone/>
-                        <a:tabLst/>
-                      </a:pPr>
-                      <a:endParaRPr kumimoji="0" lang="en-US" altLang="en-US" sz="2800" b="0" i="0" u="none" strike="noStrike" cap="none" normalizeH="0" baseline="0" smtClean="0">
-                        <a:ln>
-                          <a:noFill/>
-                        </a:ln>
-                        <a:solidFill>
-                          <a:schemeClr val="tx1"/>
-                        </a:solidFill>
-                        <a:effectLst/>
-                        <a:latin typeface="Times New Roman" panose="02020603050405020304" pitchFamily="18" charset="0"/>
-                      </a:endParaRPr>
-                    </a:p>
-                  </a:txBody>
-                  <a:tcPr horzOverflow="overflow">
-                    <a:lnL w="12700" cap="flat" cmpd="sng" algn="ctr">
-                      <a:solidFill>
-                        <a:schemeClr val="tx1"/>
-                      </a:solidFill>
-                      <a:prstDash val="solid"/>
-                      <a:round/>
-                      <a:headEnd type="none" w="lg" len="med"/>
-                      <a:tailEnd type="none" w="lg" len="med"/>
-                    </a:lnL>
-                    <a:lnR w="12700" cap="flat" cmpd="sng" algn="ctr">
-                      <a:solidFill>
-                        <a:schemeClr val="tx1"/>
-                      </a:solidFill>
-                      <a:prstDash val="solid"/>
-                      <a:round/>
-                      <a:headEnd type="none" w="lg" len="med"/>
-                      <a:tailEnd type="none" w="lg" len="med"/>
-                    </a:lnR>
-                    <a:lnT w="12700" cap="flat" cmpd="sng" algn="ctr">
-                      <a:solidFill>
-                        <a:schemeClr val="tx1"/>
-                      </a:solidFill>
-                      <a:prstDash val="solid"/>
-                      <a:round/>
-                      <a:headEnd type="none" w="lg" len="med"/>
-                      <a:tailEnd type="none" w="lg" len="med"/>
-                    </a:lnT>
-                    <a:lnB w="12700" cap="flat" cmpd="sng" algn="ctr">
-                      <a:solidFill>
-                        <a:schemeClr val="tx1"/>
-                      </a:solidFill>
-                      <a:prstDash val="solid"/>
-                      <a:round/>
-                      <a:headEnd type="none" w="lg" len="med"/>
-                      <a:tailEnd type="none" w="lg" len="med"/>
-                    </a:lnB>
-                    <a:lnTlToBr>
-                      <a:noFill/>
-                    </a:lnTlToBr>
-                    <a:lnBlToTr>
-                      <a:noFill/>
-                    </a:lnBlToTr>
-                    <a:noFill/>
-                  </a:tcPr>
-                </a:tc>
-                <a:tc>
-                  <a:txBody>
-                    <a:bodyPr/>
-                    <a:lstStyle>
-                      <a:lvl1pPr>
-                        <a:spcBef>
-                          <a:spcPct val="20000"/>
-                        </a:spcBef>
-                        <a:buClr>
-                          <a:schemeClr val="accent1"/>
-                        </a:buClr>
-                        <a:buFont typeface="Wingdings" panose="05000000000000000000" pitchFamily="2" charset="2"/>
-                        <a:defRPr sz="2800">
-                          <a:solidFill>
-                            <a:schemeClr val="tx1"/>
-                          </a:solidFill>
-                          <a:latin typeface="Times New Roman" panose="02020603050405020304" pitchFamily="18" charset="0"/>
-                        </a:defRPr>
-                      </a:lvl1pPr>
-                      <a:lvl2pPr>
-                        <a:spcBef>
-                          <a:spcPct val="20000"/>
-                        </a:spcBef>
-                        <a:buClr>
-                          <a:schemeClr val="accent1"/>
-                        </a:buClr>
-                        <a:buFont typeface="Wingdings" panose="05000000000000000000" pitchFamily="2" charset="2"/>
-                        <a:defRPr sz="2400">
-                          <a:solidFill>
-                            <a:schemeClr val="tx1"/>
-                          </a:solidFill>
-                          <a:latin typeface="Times New Roman" panose="02020603050405020304" pitchFamily="18" charset="0"/>
-                        </a:defRPr>
-                      </a:lvl2pPr>
-                      <a:lvl3pPr>
-                        <a:spcBef>
-                          <a:spcPct val="20000"/>
-                        </a:spcBef>
-                        <a:buClr>
-                          <a:schemeClr val="accent1"/>
-                        </a:buClr>
-                        <a:buFont typeface="Wingdings" panose="05000000000000000000" pitchFamily="2" charset="2"/>
-                        <a:defRPr sz="2000">
-                          <a:solidFill>
-                            <a:schemeClr val="tx1"/>
-                          </a:solidFill>
-                          <a:latin typeface="Times New Roman" panose="02020603050405020304" pitchFamily="18" charset="0"/>
-                        </a:defRPr>
-                      </a:lvl3pPr>
-                      <a:lvl4pPr>
-                        <a:spcBef>
-                          <a:spcPct val="20000"/>
-                        </a:spcBef>
-                        <a:buClr>
-                          <a:schemeClr val="accent1"/>
-                        </a:buClr>
-                        <a:buFont typeface="Wingdings" panose="05000000000000000000" pitchFamily="2" charset="2"/>
-                        <a:defRPr>
-                          <a:solidFill>
-                            <a:schemeClr val="tx1"/>
-                          </a:solidFill>
-                          <a:latin typeface="Times New Roman" panose="02020603050405020304" pitchFamily="18" charset="0"/>
-                        </a:defRPr>
-                      </a:lvl4pPr>
-                      <a:lvl5pPr>
-                        <a:spcBef>
-                          <a:spcPct val="20000"/>
-                        </a:spcBef>
-                        <a:buClr>
-                          <a:schemeClr val="accent1"/>
-                        </a:buClr>
-                        <a:buFont typeface="Wingdings" panose="05000000000000000000" pitchFamily="2" charset="2"/>
-                        <a:defRPr>
-                          <a:solidFill>
-                            <a:schemeClr val="tx1"/>
-                          </a:solidFill>
-                          <a:latin typeface="Times New Roman" panose="02020603050405020304" pitchFamily="18" charset="0"/>
-                        </a:defRPr>
-                      </a:lvl5pPr>
-                      <a:lvl6pPr eaLnBrk="0" fontAlgn="base" hangingPunct="0">
-                        <a:spcBef>
-                          <a:spcPct val="20000"/>
-                        </a:spcBef>
-                        <a:spcAft>
-                          <a:spcPct val="0"/>
-                        </a:spcAft>
-                        <a:buClr>
-                          <a:schemeClr val="accent1"/>
-                        </a:buClr>
-                        <a:buFont typeface="Wingdings" panose="05000000000000000000" pitchFamily="2" charset="2"/>
-                        <a:defRPr>
-                          <a:solidFill>
-                            <a:schemeClr val="tx1"/>
-                          </a:solidFill>
-                          <a:latin typeface="Times New Roman" panose="02020603050405020304" pitchFamily="18" charset="0"/>
-                        </a:defRPr>
-                      </a:lvl6pPr>
-                      <a:lvl7pPr eaLnBrk="0" fontAlgn="base" hangingPunct="0">
-                        <a:spcBef>
-                          <a:spcPct val="20000"/>
-                        </a:spcBef>
-                        <a:spcAft>
-                          <a:spcPct val="0"/>
-                        </a:spcAft>
-                        <a:buClr>
-                          <a:schemeClr val="accent1"/>
-                        </a:buClr>
-                        <a:buFont typeface="Wingdings" panose="05000000000000000000" pitchFamily="2" charset="2"/>
-                        <a:defRPr>
-                          <a:solidFill>
-                            <a:schemeClr val="tx1"/>
-                          </a:solidFill>
-                          <a:latin typeface="Times New Roman" panose="02020603050405020304" pitchFamily="18" charset="0"/>
-                        </a:defRPr>
-                      </a:lvl7pPr>
-                      <a:lvl8pPr eaLnBrk="0" fontAlgn="base" hangingPunct="0">
-                        <a:spcBef>
-                          <a:spcPct val="20000"/>
-                        </a:spcBef>
-                        <a:spcAft>
-                          <a:spcPct val="0"/>
-                        </a:spcAft>
-                        <a:buClr>
-                          <a:schemeClr val="accent1"/>
-                        </a:buClr>
-                        <a:buFont typeface="Wingdings" panose="05000000000000000000" pitchFamily="2" charset="2"/>
-                        <a:defRPr>
-                          <a:solidFill>
-                            <a:schemeClr val="tx1"/>
-                          </a:solidFill>
-                          <a:latin typeface="Times New Roman" panose="02020603050405020304" pitchFamily="18" charset="0"/>
-                        </a:defRPr>
-                      </a:lvl8pPr>
-                      <a:lvl9pPr eaLnBrk="0" fontAlgn="base" hangingPunct="0">
-                        <a:spcBef>
-                          <a:spcPct val="20000"/>
-                        </a:spcBef>
-                        <a:spcAft>
-                          <a:spcPct val="0"/>
-                        </a:spcAft>
-                        <a:buClr>
-                          <a:schemeClr val="accent1"/>
-                        </a:buClr>
-                        <a:buFont typeface="Wingdings" panose="05000000000000000000" pitchFamily="2" charset="2"/>
-                        <a:defRPr>
-                          <a:solidFill>
-                            <a:schemeClr val="tx1"/>
-                          </a:solidFill>
-                          <a:latin typeface="Times New Roman" panose="02020603050405020304" pitchFamily="18" charset="0"/>
-                        </a:defRPr>
-                      </a:lvl9pPr>
-                    </a:lstStyle>
-                    <a:p>
-                      <a:pPr marL="0" marR="0" lvl="0" indent="0" algn="l" defTabSz="914400" rtl="0" eaLnBrk="0" fontAlgn="base" latinLnBrk="0" hangingPunct="0">
-                        <a:lnSpc>
-                          <a:spcPct val="100000"/>
-                        </a:lnSpc>
-                        <a:spcBef>
-                          <a:spcPct val="20000"/>
-                        </a:spcBef>
-                        <a:spcAft>
-                          <a:spcPct val="0"/>
-                        </a:spcAft>
-                        <a:buClr>
-                          <a:schemeClr val="accent1"/>
-                        </a:buClr>
-                        <a:buSzTx/>
-                        <a:buFont typeface="Wingdings" panose="05000000000000000000" pitchFamily="2" charset="2"/>
-                        <a:buNone/>
-                        <a:tabLst/>
-                      </a:pPr>
-                      <a:endParaRPr kumimoji="0" lang="en-US" altLang="en-US" sz="2800" b="0" i="0" u="none" strike="noStrike" cap="none" normalizeH="0" baseline="0" smtClean="0">
-                        <a:ln>
-                          <a:noFill/>
-                        </a:ln>
-                        <a:solidFill>
-                          <a:schemeClr val="tx1"/>
-                        </a:solidFill>
-                        <a:effectLst/>
-                        <a:latin typeface="Times New Roman" panose="02020603050405020304" pitchFamily="18" charset="0"/>
-                      </a:endParaRPr>
-                    </a:p>
-                  </a:txBody>
-                  <a:tcPr horzOverflow="overflow">
-                    <a:lnL w="12700" cap="flat" cmpd="sng" algn="ctr">
-                      <a:solidFill>
-                        <a:schemeClr val="tx1"/>
-                      </a:solidFill>
-                      <a:prstDash val="solid"/>
-                      <a:round/>
-                      <a:headEnd type="none" w="lg" len="med"/>
-                      <a:tailEnd type="none" w="lg" len="med"/>
-                    </a:lnL>
-                    <a:lnR w="28575" cap="flat" cmpd="sng" algn="ctr">
-                      <a:solidFill>
-                        <a:schemeClr val="tx1"/>
-                      </a:solidFill>
-                      <a:prstDash val="solid"/>
-                      <a:round/>
-                      <a:headEnd type="none" w="lg" len="med"/>
-                      <a:tailEnd type="none" w="lg" len="med"/>
-                    </a:lnR>
-                    <a:lnT w="12700" cap="flat" cmpd="sng" algn="ctr">
-                      <a:solidFill>
-                        <a:schemeClr val="tx1"/>
-                      </a:solidFill>
-                      <a:prstDash val="solid"/>
-                      <a:round/>
-                      <a:headEnd type="none" w="lg" len="med"/>
-                      <a:tailEnd type="none" w="lg" len="med"/>
-                    </a:lnT>
-                    <a:lnB w="12700" cap="flat" cmpd="sng" algn="ctr">
-                      <a:solidFill>
-                        <a:schemeClr val="tx1"/>
-                      </a:solidFill>
-                      <a:prstDash val="solid"/>
-                      <a:round/>
-                      <a:headEnd type="none" w="lg" len="med"/>
-                      <a:tailEnd type="none" w="lg" len="med"/>
-                    </a:lnB>
-                    <a:lnTlToBr>
-                      <a:noFill/>
-                    </a:lnTlToBr>
-                    <a:lnBlToTr>
-                      <a:noFill/>
-                    </a:lnBlToTr>
-                    <a:noFill/>
-                  </a:tcPr>
-                </a:tc>
-                <a:extLst>
-                  <a:ext uri="{0D108BD9-81ED-4DB2-BD59-A6C34878D82A}">
-                    <a16:rowId xmlns:a16="http://schemas.microsoft.com/office/drawing/2014/main" val="2999603454"/>
-                  </a:ext>
-                </a:extLst>
-              </a:tr>
-              <a:tr h="762000">
-                <a:tc>
-                  <a:txBody>
-                    <a:bodyPr/>
-                    <a:lstStyle>
-                      <a:lvl1pPr>
-                        <a:spcBef>
-                          <a:spcPct val="20000"/>
-                        </a:spcBef>
-                        <a:buClr>
-                          <a:schemeClr val="accent1"/>
-                        </a:buClr>
-                        <a:buFont typeface="Wingdings" panose="05000000000000000000" pitchFamily="2" charset="2"/>
-                        <a:defRPr sz="2800">
-                          <a:solidFill>
-                            <a:schemeClr val="tx1"/>
-                          </a:solidFill>
-                          <a:latin typeface="Times New Roman" panose="02020603050405020304" pitchFamily="18" charset="0"/>
-                        </a:defRPr>
-                      </a:lvl1pPr>
-                      <a:lvl2pPr>
-                        <a:spcBef>
-                          <a:spcPct val="20000"/>
-                        </a:spcBef>
-                        <a:buClr>
-                          <a:schemeClr val="accent1"/>
-                        </a:buClr>
-                        <a:buFont typeface="Wingdings" panose="05000000000000000000" pitchFamily="2" charset="2"/>
-                        <a:defRPr sz="2400">
-                          <a:solidFill>
-                            <a:schemeClr val="tx1"/>
-                          </a:solidFill>
-                          <a:latin typeface="Times New Roman" panose="02020603050405020304" pitchFamily="18" charset="0"/>
-                        </a:defRPr>
-                      </a:lvl2pPr>
-                      <a:lvl3pPr>
-                        <a:spcBef>
-                          <a:spcPct val="20000"/>
-                        </a:spcBef>
-                        <a:buClr>
-                          <a:schemeClr val="accent1"/>
-                        </a:buClr>
-                        <a:buFont typeface="Wingdings" panose="05000000000000000000" pitchFamily="2" charset="2"/>
-                        <a:defRPr sz="2000">
-                          <a:solidFill>
-                            <a:schemeClr val="tx1"/>
-                          </a:solidFill>
-                          <a:latin typeface="Times New Roman" panose="02020603050405020304" pitchFamily="18" charset="0"/>
-                        </a:defRPr>
-                      </a:lvl3pPr>
-                      <a:lvl4pPr>
-                        <a:spcBef>
-                          <a:spcPct val="20000"/>
-                        </a:spcBef>
-                        <a:buClr>
-                          <a:schemeClr val="accent1"/>
-                        </a:buClr>
-                        <a:buFont typeface="Wingdings" panose="05000000000000000000" pitchFamily="2" charset="2"/>
-                        <a:defRPr>
-                          <a:solidFill>
-                            <a:schemeClr val="tx1"/>
-                          </a:solidFill>
-                          <a:latin typeface="Times New Roman" panose="02020603050405020304" pitchFamily="18" charset="0"/>
-                        </a:defRPr>
-                      </a:lvl4pPr>
-                      <a:lvl5pPr>
-                        <a:spcBef>
-                          <a:spcPct val="20000"/>
-                        </a:spcBef>
-                        <a:buClr>
-                          <a:schemeClr val="accent1"/>
-                        </a:buClr>
-                        <a:buFont typeface="Wingdings" panose="05000000000000000000" pitchFamily="2" charset="2"/>
-                        <a:defRPr>
-                          <a:solidFill>
-                            <a:schemeClr val="tx1"/>
-                          </a:solidFill>
-                          <a:latin typeface="Times New Roman" panose="02020603050405020304" pitchFamily="18" charset="0"/>
-                        </a:defRPr>
-                      </a:lvl5pPr>
-                      <a:lvl6pPr eaLnBrk="0" fontAlgn="base" hangingPunct="0">
-                        <a:spcBef>
-                          <a:spcPct val="20000"/>
-                        </a:spcBef>
-                        <a:spcAft>
-                          <a:spcPct val="0"/>
-                        </a:spcAft>
-                        <a:buClr>
-                          <a:schemeClr val="accent1"/>
-                        </a:buClr>
-                        <a:buFont typeface="Wingdings" panose="05000000000000000000" pitchFamily="2" charset="2"/>
-                        <a:defRPr>
-                          <a:solidFill>
-                            <a:schemeClr val="tx1"/>
-                          </a:solidFill>
-                          <a:latin typeface="Times New Roman" panose="02020603050405020304" pitchFamily="18" charset="0"/>
-                        </a:defRPr>
-                      </a:lvl6pPr>
-                      <a:lvl7pPr eaLnBrk="0" fontAlgn="base" hangingPunct="0">
-                        <a:spcBef>
-                          <a:spcPct val="20000"/>
-                        </a:spcBef>
-                        <a:spcAft>
-                          <a:spcPct val="0"/>
-                        </a:spcAft>
-                        <a:buClr>
-                          <a:schemeClr val="accent1"/>
-                        </a:buClr>
-                        <a:buFont typeface="Wingdings" panose="05000000000000000000" pitchFamily="2" charset="2"/>
-                        <a:defRPr>
-                          <a:solidFill>
-                            <a:schemeClr val="tx1"/>
-                          </a:solidFill>
-                          <a:latin typeface="Times New Roman" panose="02020603050405020304" pitchFamily="18" charset="0"/>
-                        </a:defRPr>
-                      </a:lvl7pPr>
-                      <a:lvl8pPr eaLnBrk="0" fontAlgn="base" hangingPunct="0">
-                        <a:spcBef>
-                          <a:spcPct val="20000"/>
-                        </a:spcBef>
-                        <a:spcAft>
-                          <a:spcPct val="0"/>
-                        </a:spcAft>
-                        <a:buClr>
-                          <a:schemeClr val="accent1"/>
-                        </a:buClr>
-                        <a:buFont typeface="Wingdings" panose="05000000000000000000" pitchFamily="2" charset="2"/>
-                        <a:defRPr>
-                          <a:solidFill>
-                            <a:schemeClr val="tx1"/>
-                          </a:solidFill>
-                          <a:latin typeface="Times New Roman" panose="02020603050405020304" pitchFamily="18" charset="0"/>
-                        </a:defRPr>
-                      </a:lvl8pPr>
-                      <a:lvl9pPr eaLnBrk="0" fontAlgn="base" hangingPunct="0">
-                        <a:spcBef>
-                          <a:spcPct val="20000"/>
-                        </a:spcBef>
-                        <a:spcAft>
-                          <a:spcPct val="0"/>
-                        </a:spcAft>
-                        <a:buClr>
-                          <a:schemeClr val="accent1"/>
-                        </a:buClr>
-                        <a:buFont typeface="Wingdings" panose="05000000000000000000" pitchFamily="2" charset="2"/>
-                        <a:defRPr>
-                          <a:solidFill>
-                            <a:schemeClr val="tx1"/>
-                          </a:solidFill>
-                          <a:latin typeface="Times New Roman" panose="02020603050405020304" pitchFamily="18" charset="0"/>
-                        </a:defRPr>
-                      </a:lvl9pPr>
-                    </a:lstStyle>
-                    <a:p>
-                      <a:pPr marL="0" marR="0" lvl="0" indent="0" algn="l" defTabSz="914400" rtl="0" eaLnBrk="0" fontAlgn="base" latinLnBrk="0" hangingPunct="0">
-                        <a:lnSpc>
-                          <a:spcPct val="100000"/>
-                        </a:lnSpc>
-                        <a:spcBef>
-                          <a:spcPct val="20000"/>
-                        </a:spcBef>
-                        <a:spcAft>
-                          <a:spcPct val="0"/>
-                        </a:spcAft>
-                        <a:buClr>
-                          <a:schemeClr val="accent1"/>
-                        </a:buClr>
-                        <a:buSzTx/>
-                        <a:buFont typeface="Wingdings" panose="05000000000000000000" pitchFamily="2" charset="2"/>
-                        <a:buNone/>
-                        <a:tabLst/>
-                      </a:pPr>
-                      <a:r>
-                        <a:rPr kumimoji="0" lang="en-US" altLang="en-US" sz="2800" b="0" i="0" u="none" strike="noStrike" cap="none" normalizeH="0" baseline="0" smtClean="0">
-                          <a:ln>
-                            <a:noFill/>
-                          </a:ln>
-                          <a:solidFill>
-                            <a:schemeClr val="tx1"/>
-                          </a:solidFill>
-                          <a:effectLst/>
-                          <a:latin typeface="Times New Roman" panose="02020603050405020304" pitchFamily="18" charset="0"/>
-                        </a:rPr>
-                        <a:t>Baffling head loss</a:t>
-                      </a:r>
-                    </a:p>
-                  </a:txBody>
-                  <a:tcPr horzOverflow="overflow">
-                    <a:lnL w="28575" cap="flat" cmpd="sng" algn="ctr">
-                      <a:solidFill>
-                        <a:schemeClr val="tx1"/>
-                      </a:solidFill>
-                      <a:prstDash val="solid"/>
-                      <a:round/>
-                      <a:headEnd type="none" w="lg" len="med"/>
-                      <a:tailEnd type="none" w="lg" len="med"/>
-                    </a:lnL>
-                    <a:lnR w="12700" cap="flat" cmpd="sng" algn="ctr">
-                      <a:solidFill>
-                        <a:schemeClr val="tx1"/>
-                      </a:solidFill>
-                      <a:prstDash val="solid"/>
-                      <a:round/>
-                      <a:headEnd type="none" w="lg" len="med"/>
-                      <a:tailEnd type="none" w="lg" len="med"/>
-                    </a:lnR>
-                    <a:lnT w="12700" cap="flat" cmpd="sng" algn="ctr">
-                      <a:solidFill>
-                        <a:schemeClr val="tx1"/>
-                      </a:solidFill>
-                      <a:prstDash val="solid"/>
-                      <a:round/>
-                      <a:headEnd type="none" w="lg" len="med"/>
-                      <a:tailEnd type="none" w="lg" len="med"/>
-                    </a:lnT>
-                    <a:lnB w="12700" cap="flat" cmpd="sng" algn="ctr">
-                      <a:solidFill>
-                        <a:schemeClr val="tx1"/>
-                      </a:solidFill>
-                      <a:prstDash val="solid"/>
-                      <a:round/>
-                      <a:headEnd type="none" w="lg" len="med"/>
-                      <a:tailEnd type="none" w="lg" len="med"/>
-                    </a:lnB>
-                    <a:lnTlToBr>
-                      <a:noFill/>
-                    </a:lnTlToBr>
-                    <a:lnBlToTr>
-                      <a:noFill/>
-                    </a:lnBlToTr>
-                    <a:noFill/>
-                  </a:tcPr>
-                </a:tc>
-                <a:tc>
-                  <a:txBody>
-                    <a:bodyPr/>
-                    <a:lstStyle>
-                      <a:lvl1pPr>
-                        <a:spcBef>
-                          <a:spcPct val="20000"/>
-                        </a:spcBef>
-                        <a:buClr>
-                          <a:schemeClr val="accent1"/>
-                        </a:buClr>
-                        <a:buFont typeface="Wingdings" panose="05000000000000000000" pitchFamily="2" charset="2"/>
-                        <a:defRPr sz="2800">
-                          <a:solidFill>
-                            <a:schemeClr val="tx1"/>
-                          </a:solidFill>
-                          <a:latin typeface="Times New Roman" panose="02020603050405020304" pitchFamily="18" charset="0"/>
-                        </a:defRPr>
-                      </a:lvl1pPr>
-                      <a:lvl2pPr>
-                        <a:spcBef>
-                          <a:spcPct val="20000"/>
-                        </a:spcBef>
-                        <a:buClr>
-                          <a:schemeClr val="accent1"/>
-                        </a:buClr>
-                        <a:buFont typeface="Wingdings" panose="05000000000000000000" pitchFamily="2" charset="2"/>
-                        <a:defRPr sz="2400">
-                          <a:solidFill>
-                            <a:schemeClr val="tx1"/>
-                          </a:solidFill>
-                          <a:latin typeface="Times New Roman" panose="02020603050405020304" pitchFamily="18" charset="0"/>
-                        </a:defRPr>
-                      </a:lvl2pPr>
-                      <a:lvl3pPr>
-                        <a:spcBef>
-                          <a:spcPct val="20000"/>
-                        </a:spcBef>
-                        <a:buClr>
-                          <a:schemeClr val="accent1"/>
-                        </a:buClr>
-                        <a:buFont typeface="Wingdings" panose="05000000000000000000" pitchFamily="2" charset="2"/>
-                        <a:defRPr sz="2000">
-                          <a:solidFill>
-                            <a:schemeClr val="tx1"/>
-                          </a:solidFill>
-                          <a:latin typeface="Times New Roman" panose="02020603050405020304" pitchFamily="18" charset="0"/>
-                        </a:defRPr>
-                      </a:lvl3pPr>
-                      <a:lvl4pPr>
-                        <a:spcBef>
-                          <a:spcPct val="20000"/>
-                        </a:spcBef>
-                        <a:buClr>
-                          <a:schemeClr val="accent1"/>
-                        </a:buClr>
-                        <a:buFont typeface="Wingdings" panose="05000000000000000000" pitchFamily="2" charset="2"/>
-                        <a:defRPr>
-                          <a:solidFill>
-                            <a:schemeClr val="tx1"/>
-                          </a:solidFill>
-                          <a:latin typeface="Times New Roman" panose="02020603050405020304" pitchFamily="18" charset="0"/>
-                        </a:defRPr>
-                      </a:lvl4pPr>
-                      <a:lvl5pPr>
-                        <a:spcBef>
-                          <a:spcPct val="20000"/>
-                        </a:spcBef>
-                        <a:buClr>
-                          <a:schemeClr val="accent1"/>
-                        </a:buClr>
-                        <a:buFont typeface="Wingdings" panose="05000000000000000000" pitchFamily="2" charset="2"/>
-                        <a:defRPr>
-                          <a:solidFill>
-                            <a:schemeClr val="tx1"/>
-                          </a:solidFill>
-                          <a:latin typeface="Times New Roman" panose="02020603050405020304" pitchFamily="18" charset="0"/>
-                        </a:defRPr>
-                      </a:lvl5pPr>
-                      <a:lvl6pPr eaLnBrk="0" fontAlgn="base" hangingPunct="0">
-                        <a:spcBef>
-                          <a:spcPct val="20000"/>
-                        </a:spcBef>
-                        <a:spcAft>
-                          <a:spcPct val="0"/>
-                        </a:spcAft>
-                        <a:buClr>
-                          <a:schemeClr val="accent1"/>
-                        </a:buClr>
-                        <a:buFont typeface="Wingdings" panose="05000000000000000000" pitchFamily="2" charset="2"/>
-                        <a:defRPr>
-                          <a:solidFill>
-                            <a:schemeClr val="tx1"/>
-                          </a:solidFill>
-                          <a:latin typeface="Times New Roman" panose="02020603050405020304" pitchFamily="18" charset="0"/>
-                        </a:defRPr>
-                      </a:lvl6pPr>
-                      <a:lvl7pPr eaLnBrk="0" fontAlgn="base" hangingPunct="0">
-                        <a:spcBef>
-                          <a:spcPct val="20000"/>
-                        </a:spcBef>
-                        <a:spcAft>
-                          <a:spcPct val="0"/>
-                        </a:spcAft>
-                        <a:buClr>
-                          <a:schemeClr val="accent1"/>
-                        </a:buClr>
-                        <a:buFont typeface="Wingdings" panose="05000000000000000000" pitchFamily="2" charset="2"/>
-                        <a:defRPr>
-                          <a:solidFill>
-                            <a:schemeClr val="tx1"/>
-                          </a:solidFill>
-                          <a:latin typeface="Times New Roman" panose="02020603050405020304" pitchFamily="18" charset="0"/>
-                        </a:defRPr>
-                      </a:lvl7pPr>
-                      <a:lvl8pPr eaLnBrk="0" fontAlgn="base" hangingPunct="0">
-                        <a:spcBef>
-                          <a:spcPct val="20000"/>
-                        </a:spcBef>
-                        <a:spcAft>
-                          <a:spcPct val="0"/>
-                        </a:spcAft>
-                        <a:buClr>
-                          <a:schemeClr val="accent1"/>
-                        </a:buClr>
-                        <a:buFont typeface="Wingdings" panose="05000000000000000000" pitchFamily="2" charset="2"/>
-                        <a:defRPr>
-                          <a:solidFill>
-                            <a:schemeClr val="tx1"/>
-                          </a:solidFill>
-                          <a:latin typeface="Times New Roman" panose="02020603050405020304" pitchFamily="18" charset="0"/>
-                        </a:defRPr>
-                      </a:lvl8pPr>
-                      <a:lvl9pPr eaLnBrk="0" fontAlgn="base" hangingPunct="0">
-                        <a:spcBef>
-                          <a:spcPct val="20000"/>
-                        </a:spcBef>
-                        <a:spcAft>
-                          <a:spcPct val="0"/>
-                        </a:spcAft>
-                        <a:buClr>
-                          <a:schemeClr val="accent1"/>
-                        </a:buClr>
-                        <a:buFont typeface="Wingdings" panose="05000000000000000000" pitchFamily="2" charset="2"/>
-                        <a:defRPr>
-                          <a:solidFill>
-                            <a:schemeClr val="tx1"/>
-                          </a:solidFill>
-                          <a:latin typeface="Times New Roman" panose="02020603050405020304" pitchFamily="18" charset="0"/>
-                        </a:defRPr>
-                      </a:lvl9pPr>
-                    </a:lstStyle>
-                    <a:p>
-                      <a:pPr marL="0" marR="0" lvl="0" indent="0" algn="ctr" defTabSz="914400" rtl="0" eaLnBrk="0" fontAlgn="base" latinLnBrk="0" hangingPunct="0">
-                        <a:lnSpc>
-                          <a:spcPct val="100000"/>
-                        </a:lnSpc>
-                        <a:spcBef>
-                          <a:spcPct val="20000"/>
-                        </a:spcBef>
-                        <a:spcAft>
-                          <a:spcPct val="0"/>
-                        </a:spcAft>
-                        <a:buClr>
-                          <a:schemeClr val="accent1"/>
-                        </a:buClr>
-                        <a:buSzTx/>
-                        <a:buFont typeface="Wingdings" panose="05000000000000000000" pitchFamily="2" charset="2"/>
-                        <a:buNone/>
-                        <a:tabLst/>
-                      </a:pPr>
-                      <a:endParaRPr kumimoji="0" lang="en-US" altLang="en-US" sz="2800" b="0" i="0" u="none" strike="noStrike" cap="none" normalizeH="0" baseline="0" smtClean="0">
-                        <a:ln>
-                          <a:noFill/>
-                        </a:ln>
-                        <a:solidFill>
-                          <a:schemeClr val="tx1"/>
-                        </a:solidFill>
-                        <a:effectLst/>
-                        <a:latin typeface="Times New Roman" panose="02020603050405020304" pitchFamily="18" charset="0"/>
-                      </a:endParaRPr>
-                    </a:p>
-                  </a:txBody>
-                  <a:tcPr horzOverflow="overflow">
-                    <a:lnL w="12700" cap="flat" cmpd="sng" algn="ctr">
-                      <a:solidFill>
-                        <a:schemeClr val="tx1"/>
-                      </a:solidFill>
-                      <a:prstDash val="solid"/>
-                      <a:round/>
-                      <a:headEnd type="none" w="lg" len="med"/>
-                      <a:tailEnd type="none" w="lg" len="med"/>
-                    </a:lnL>
-                    <a:lnR w="12700" cap="flat" cmpd="sng" algn="ctr">
-                      <a:solidFill>
-                        <a:schemeClr val="tx1"/>
-                      </a:solidFill>
-                      <a:prstDash val="solid"/>
-                      <a:round/>
-                      <a:headEnd type="none" w="lg" len="med"/>
-                      <a:tailEnd type="none" w="lg" len="med"/>
-                    </a:lnR>
-                    <a:lnT w="12700" cap="flat" cmpd="sng" algn="ctr">
-                      <a:solidFill>
-                        <a:schemeClr val="tx1"/>
-                      </a:solidFill>
-                      <a:prstDash val="solid"/>
-                      <a:round/>
-                      <a:headEnd type="none" w="lg" len="med"/>
-                      <a:tailEnd type="none" w="lg" len="med"/>
-                    </a:lnT>
-                    <a:lnB w="12700" cap="flat" cmpd="sng" algn="ctr">
-                      <a:solidFill>
-                        <a:schemeClr val="tx1"/>
-                      </a:solidFill>
-                      <a:prstDash val="solid"/>
-                      <a:round/>
-                      <a:headEnd type="none" w="lg" len="med"/>
-                      <a:tailEnd type="none" w="lg" len="med"/>
-                    </a:lnB>
-                    <a:lnTlToBr>
-                      <a:noFill/>
-                    </a:lnTlToBr>
-                    <a:lnBlToTr>
-                      <a:noFill/>
-                    </a:lnBlToTr>
-                    <a:noFill/>
-                  </a:tcPr>
-                </a:tc>
-                <a:tc>
-                  <a:txBody>
-                    <a:bodyPr/>
-                    <a:lstStyle>
-                      <a:lvl1pPr>
-                        <a:spcBef>
-                          <a:spcPct val="20000"/>
-                        </a:spcBef>
-                        <a:buClr>
-                          <a:schemeClr val="accent1"/>
-                        </a:buClr>
-                        <a:buFont typeface="Wingdings" panose="05000000000000000000" pitchFamily="2" charset="2"/>
-                        <a:defRPr sz="2800">
-                          <a:solidFill>
-                            <a:schemeClr val="tx1"/>
-                          </a:solidFill>
-                          <a:latin typeface="Times New Roman" panose="02020603050405020304" pitchFamily="18" charset="0"/>
-                        </a:defRPr>
-                      </a:lvl1pPr>
-                      <a:lvl2pPr>
-                        <a:spcBef>
-                          <a:spcPct val="20000"/>
-                        </a:spcBef>
-                        <a:buClr>
-                          <a:schemeClr val="accent1"/>
-                        </a:buClr>
-                        <a:buFont typeface="Wingdings" panose="05000000000000000000" pitchFamily="2" charset="2"/>
-                        <a:defRPr sz="2400">
-                          <a:solidFill>
-                            <a:schemeClr val="tx1"/>
-                          </a:solidFill>
-                          <a:latin typeface="Times New Roman" panose="02020603050405020304" pitchFamily="18" charset="0"/>
-                        </a:defRPr>
-                      </a:lvl2pPr>
-                      <a:lvl3pPr>
-                        <a:spcBef>
-                          <a:spcPct val="20000"/>
-                        </a:spcBef>
-                        <a:buClr>
-                          <a:schemeClr val="accent1"/>
-                        </a:buClr>
-                        <a:buFont typeface="Wingdings" panose="05000000000000000000" pitchFamily="2" charset="2"/>
-                        <a:defRPr sz="2000">
-                          <a:solidFill>
-                            <a:schemeClr val="tx1"/>
-                          </a:solidFill>
-                          <a:latin typeface="Times New Roman" panose="02020603050405020304" pitchFamily="18" charset="0"/>
-                        </a:defRPr>
-                      </a:lvl3pPr>
-                      <a:lvl4pPr>
-                        <a:spcBef>
-                          <a:spcPct val="20000"/>
-                        </a:spcBef>
-                        <a:buClr>
-                          <a:schemeClr val="accent1"/>
-                        </a:buClr>
-                        <a:buFont typeface="Wingdings" panose="05000000000000000000" pitchFamily="2" charset="2"/>
-                        <a:defRPr>
-                          <a:solidFill>
-                            <a:schemeClr val="tx1"/>
-                          </a:solidFill>
-                          <a:latin typeface="Times New Roman" panose="02020603050405020304" pitchFamily="18" charset="0"/>
-                        </a:defRPr>
-                      </a:lvl4pPr>
-                      <a:lvl5pPr>
-                        <a:spcBef>
-                          <a:spcPct val="20000"/>
-                        </a:spcBef>
-                        <a:buClr>
-                          <a:schemeClr val="accent1"/>
-                        </a:buClr>
-                        <a:buFont typeface="Wingdings" panose="05000000000000000000" pitchFamily="2" charset="2"/>
-                        <a:defRPr>
-                          <a:solidFill>
-                            <a:schemeClr val="tx1"/>
-                          </a:solidFill>
-                          <a:latin typeface="Times New Roman" panose="02020603050405020304" pitchFamily="18" charset="0"/>
-                        </a:defRPr>
-                      </a:lvl5pPr>
-                      <a:lvl6pPr eaLnBrk="0" fontAlgn="base" hangingPunct="0">
-                        <a:spcBef>
-                          <a:spcPct val="20000"/>
-                        </a:spcBef>
-                        <a:spcAft>
-                          <a:spcPct val="0"/>
-                        </a:spcAft>
-                        <a:buClr>
-                          <a:schemeClr val="accent1"/>
-                        </a:buClr>
-                        <a:buFont typeface="Wingdings" panose="05000000000000000000" pitchFamily="2" charset="2"/>
-                        <a:defRPr>
-                          <a:solidFill>
-                            <a:schemeClr val="tx1"/>
-                          </a:solidFill>
-                          <a:latin typeface="Times New Roman" panose="02020603050405020304" pitchFamily="18" charset="0"/>
-                        </a:defRPr>
-                      </a:lvl6pPr>
-                      <a:lvl7pPr eaLnBrk="0" fontAlgn="base" hangingPunct="0">
-                        <a:spcBef>
-                          <a:spcPct val="20000"/>
-                        </a:spcBef>
-                        <a:spcAft>
-                          <a:spcPct val="0"/>
-                        </a:spcAft>
-                        <a:buClr>
-                          <a:schemeClr val="accent1"/>
-                        </a:buClr>
-                        <a:buFont typeface="Wingdings" panose="05000000000000000000" pitchFamily="2" charset="2"/>
-                        <a:defRPr>
-                          <a:solidFill>
-                            <a:schemeClr val="tx1"/>
-                          </a:solidFill>
-                          <a:latin typeface="Times New Roman" panose="02020603050405020304" pitchFamily="18" charset="0"/>
-                        </a:defRPr>
-                      </a:lvl7pPr>
-                      <a:lvl8pPr eaLnBrk="0" fontAlgn="base" hangingPunct="0">
-                        <a:spcBef>
-                          <a:spcPct val="20000"/>
-                        </a:spcBef>
-                        <a:spcAft>
-                          <a:spcPct val="0"/>
-                        </a:spcAft>
-                        <a:buClr>
-                          <a:schemeClr val="accent1"/>
-                        </a:buClr>
-                        <a:buFont typeface="Wingdings" panose="05000000000000000000" pitchFamily="2" charset="2"/>
-                        <a:defRPr>
-                          <a:solidFill>
-                            <a:schemeClr val="tx1"/>
-                          </a:solidFill>
-                          <a:latin typeface="Times New Roman" panose="02020603050405020304" pitchFamily="18" charset="0"/>
-                        </a:defRPr>
-                      </a:lvl8pPr>
-                      <a:lvl9pPr eaLnBrk="0" fontAlgn="base" hangingPunct="0">
-                        <a:spcBef>
-                          <a:spcPct val="20000"/>
-                        </a:spcBef>
-                        <a:spcAft>
-                          <a:spcPct val="0"/>
-                        </a:spcAft>
-                        <a:buClr>
-                          <a:schemeClr val="accent1"/>
-                        </a:buClr>
-                        <a:buFont typeface="Wingdings" panose="05000000000000000000" pitchFamily="2" charset="2"/>
-                        <a:defRPr>
-                          <a:solidFill>
-                            <a:schemeClr val="tx1"/>
-                          </a:solidFill>
-                          <a:latin typeface="Times New Roman" panose="02020603050405020304" pitchFamily="18" charset="0"/>
-                        </a:defRPr>
-                      </a:lvl9pPr>
-                    </a:lstStyle>
-                    <a:p>
-                      <a:pPr marL="0" marR="0" lvl="0" indent="0" algn="l" defTabSz="914400" rtl="0" eaLnBrk="0" fontAlgn="base" latinLnBrk="0" hangingPunct="0">
-                        <a:lnSpc>
-                          <a:spcPct val="100000"/>
-                        </a:lnSpc>
-                        <a:spcBef>
-                          <a:spcPct val="20000"/>
-                        </a:spcBef>
-                        <a:spcAft>
-                          <a:spcPct val="0"/>
-                        </a:spcAft>
-                        <a:buClr>
-                          <a:schemeClr val="accent1"/>
-                        </a:buClr>
-                        <a:buSzTx/>
-                        <a:buFont typeface="Wingdings" panose="05000000000000000000" pitchFamily="2" charset="2"/>
-                        <a:buNone/>
-                        <a:tabLst/>
-                      </a:pPr>
-                      <a:endParaRPr kumimoji="0" lang="en-US" altLang="en-US" sz="2800" b="0" i="0" u="none" strike="noStrike" cap="none" normalizeH="0" baseline="0" smtClean="0">
-                        <a:ln>
-                          <a:noFill/>
-                        </a:ln>
-                        <a:solidFill>
-                          <a:schemeClr val="tx1"/>
-                        </a:solidFill>
-                        <a:effectLst/>
-                        <a:latin typeface="Times New Roman" panose="02020603050405020304" pitchFamily="18" charset="0"/>
-                      </a:endParaRPr>
-                    </a:p>
-                  </a:txBody>
-                  <a:tcPr horzOverflow="overflow">
-                    <a:lnL w="12700" cap="flat" cmpd="sng" algn="ctr">
-                      <a:solidFill>
-                        <a:schemeClr val="tx1"/>
-                      </a:solidFill>
-                      <a:prstDash val="solid"/>
-                      <a:round/>
-                      <a:headEnd type="none" w="lg" len="med"/>
-                      <a:tailEnd type="none" w="lg" len="med"/>
-                    </a:lnL>
-                    <a:lnR w="28575" cap="flat" cmpd="sng" algn="ctr">
-                      <a:solidFill>
-                        <a:schemeClr val="tx1"/>
-                      </a:solidFill>
-                      <a:prstDash val="solid"/>
-                      <a:round/>
-                      <a:headEnd type="none" w="lg" len="med"/>
-                      <a:tailEnd type="none" w="lg" len="med"/>
-                    </a:lnR>
-                    <a:lnT w="12700" cap="flat" cmpd="sng" algn="ctr">
-                      <a:solidFill>
-                        <a:schemeClr val="tx1"/>
-                      </a:solidFill>
-                      <a:prstDash val="solid"/>
-                      <a:round/>
-                      <a:headEnd type="none" w="lg" len="med"/>
-                      <a:tailEnd type="none" w="lg" len="med"/>
-                    </a:lnT>
-                    <a:lnB w="12700" cap="flat" cmpd="sng" algn="ctr">
-                      <a:solidFill>
-                        <a:schemeClr val="tx1"/>
-                      </a:solidFill>
-                      <a:prstDash val="solid"/>
-                      <a:round/>
-                      <a:headEnd type="none" w="lg" len="med"/>
-                      <a:tailEnd type="none" w="lg" len="med"/>
-                    </a:lnB>
-                    <a:lnTlToBr>
-                      <a:noFill/>
-                    </a:lnTlToBr>
-                    <a:lnBlToTr>
-                      <a:noFill/>
-                    </a:lnBlToTr>
-                    <a:noFill/>
-                  </a:tcPr>
-                </a:tc>
-                <a:extLst>
-                  <a:ext uri="{0D108BD9-81ED-4DB2-BD59-A6C34878D82A}">
-                    <a16:rowId xmlns:a16="http://schemas.microsoft.com/office/drawing/2014/main" val="3878772343"/>
-                  </a:ext>
-                </a:extLst>
-              </a:tr>
-              <a:tr h="762000">
-                <a:tc>
-                  <a:txBody>
-                    <a:bodyPr/>
-                    <a:lstStyle>
-                      <a:lvl1pPr>
-                        <a:spcBef>
-                          <a:spcPct val="20000"/>
-                        </a:spcBef>
-                        <a:buClr>
-                          <a:schemeClr val="accent1"/>
-                        </a:buClr>
-                        <a:buFont typeface="Wingdings" panose="05000000000000000000" pitchFamily="2" charset="2"/>
-                        <a:defRPr sz="2800">
-                          <a:solidFill>
-                            <a:schemeClr val="tx1"/>
-                          </a:solidFill>
-                          <a:latin typeface="Times New Roman" panose="02020603050405020304" pitchFamily="18" charset="0"/>
-                        </a:defRPr>
-                      </a:lvl1pPr>
-                      <a:lvl2pPr>
-                        <a:spcBef>
-                          <a:spcPct val="20000"/>
-                        </a:spcBef>
-                        <a:buClr>
-                          <a:schemeClr val="accent1"/>
-                        </a:buClr>
-                        <a:buFont typeface="Wingdings" panose="05000000000000000000" pitchFamily="2" charset="2"/>
-                        <a:defRPr sz="2400">
-                          <a:solidFill>
-                            <a:schemeClr val="tx1"/>
-                          </a:solidFill>
-                          <a:latin typeface="Times New Roman" panose="02020603050405020304" pitchFamily="18" charset="0"/>
-                        </a:defRPr>
-                      </a:lvl2pPr>
-                      <a:lvl3pPr>
-                        <a:spcBef>
-                          <a:spcPct val="20000"/>
-                        </a:spcBef>
-                        <a:buClr>
-                          <a:schemeClr val="accent1"/>
-                        </a:buClr>
-                        <a:buFont typeface="Wingdings" panose="05000000000000000000" pitchFamily="2" charset="2"/>
-                        <a:defRPr sz="2000">
-                          <a:solidFill>
-                            <a:schemeClr val="tx1"/>
-                          </a:solidFill>
-                          <a:latin typeface="Times New Roman" panose="02020603050405020304" pitchFamily="18" charset="0"/>
-                        </a:defRPr>
-                      </a:lvl3pPr>
-                      <a:lvl4pPr>
-                        <a:spcBef>
-                          <a:spcPct val="20000"/>
-                        </a:spcBef>
-                        <a:buClr>
-                          <a:schemeClr val="accent1"/>
-                        </a:buClr>
-                        <a:buFont typeface="Wingdings" panose="05000000000000000000" pitchFamily="2" charset="2"/>
-                        <a:defRPr>
-                          <a:solidFill>
-                            <a:schemeClr val="tx1"/>
-                          </a:solidFill>
-                          <a:latin typeface="Times New Roman" panose="02020603050405020304" pitchFamily="18" charset="0"/>
-                        </a:defRPr>
-                      </a:lvl4pPr>
-                      <a:lvl5pPr>
-                        <a:spcBef>
-                          <a:spcPct val="20000"/>
-                        </a:spcBef>
-                        <a:buClr>
-                          <a:schemeClr val="accent1"/>
-                        </a:buClr>
-                        <a:buFont typeface="Wingdings" panose="05000000000000000000" pitchFamily="2" charset="2"/>
-                        <a:defRPr>
-                          <a:solidFill>
-                            <a:schemeClr val="tx1"/>
-                          </a:solidFill>
-                          <a:latin typeface="Times New Roman" panose="02020603050405020304" pitchFamily="18" charset="0"/>
-                        </a:defRPr>
-                      </a:lvl5pPr>
-                      <a:lvl6pPr eaLnBrk="0" fontAlgn="base" hangingPunct="0">
-                        <a:spcBef>
-                          <a:spcPct val="20000"/>
-                        </a:spcBef>
-                        <a:spcAft>
-                          <a:spcPct val="0"/>
-                        </a:spcAft>
-                        <a:buClr>
-                          <a:schemeClr val="accent1"/>
-                        </a:buClr>
-                        <a:buFont typeface="Wingdings" panose="05000000000000000000" pitchFamily="2" charset="2"/>
-                        <a:defRPr>
-                          <a:solidFill>
-                            <a:schemeClr val="tx1"/>
-                          </a:solidFill>
-                          <a:latin typeface="Times New Roman" panose="02020603050405020304" pitchFamily="18" charset="0"/>
-                        </a:defRPr>
-                      </a:lvl6pPr>
-                      <a:lvl7pPr eaLnBrk="0" fontAlgn="base" hangingPunct="0">
-                        <a:spcBef>
-                          <a:spcPct val="20000"/>
-                        </a:spcBef>
-                        <a:spcAft>
-                          <a:spcPct val="0"/>
-                        </a:spcAft>
-                        <a:buClr>
-                          <a:schemeClr val="accent1"/>
-                        </a:buClr>
-                        <a:buFont typeface="Wingdings" panose="05000000000000000000" pitchFamily="2" charset="2"/>
-                        <a:defRPr>
-                          <a:solidFill>
-                            <a:schemeClr val="tx1"/>
-                          </a:solidFill>
-                          <a:latin typeface="Times New Roman" panose="02020603050405020304" pitchFamily="18" charset="0"/>
-                        </a:defRPr>
-                      </a:lvl7pPr>
-                      <a:lvl8pPr eaLnBrk="0" fontAlgn="base" hangingPunct="0">
-                        <a:spcBef>
-                          <a:spcPct val="20000"/>
-                        </a:spcBef>
-                        <a:spcAft>
-                          <a:spcPct val="0"/>
-                        </a:spcAft>
-                        <a:buClr>
-                          <a:schemeClr val="accent1"/>
-                        </a:buClr>
-                        <a:buFont typeface="Wingdings" panose="05000000000000000000" pitchFamily="2" charset="2"/>
-                        <a:defRPr>
-                          <a:solidFill>
-                            <a:schemeClr val="tx1"/>
-                          </a:solidFill>
-                          <a:latin typeface="Times New Roman" panose="02020603050405020304" pitchFamily="18" charset="0"/>
-                        </a:defRPr>
-                      </a:lvl8pPr>
-                      <a:lvl9pPr eaLnBrk="0" fontAlgn="base" hangingPunct="0">
-                        <a:spcBef>
-                          <a:spcPct val="20000"/>
-                        </a:spcBef>
-                        <a:spcAft>
-                          <a:spcPct val="0"/>
-                        </a:spcAft>
-                        <a:buClr>
-                          <a:schemeClr val="accent1"/>
-                        </a:buClr>
-                        <a:buFont typeface="Wingdings" panose="05000000000000000000" pitchFamily="2" charset="2"/>
-                        <a:defRPr>
-                          <a:solidFill>
-                            <a:schemeClr val="tx1"/>
-                          </a:solidFill>
-                          <a:latin typeface="Times New Roman" panose="02020603050405020304" pitchFamily="18" charset="0"/>
-                        </a:defRPr>
-                      </a:lvl9pPr>
-                    </a:lstStyle>
-                    <a:p>
-                      <a:pPr marL="0" marR="0" lvl="0" indent="0" algn="l" defTabSz="914400" rtl="0" eaLnBrk="0" fontAlgn="base" latinLnBrk="0" hangingPunct="0">
-                        <a:lnSpc>
-                          <a:spcPct val="100000"/>
-                        </a:lnSpc>
-                        <a:spcBef>
-                          <a:spcPct val="20000"/>
-                        </a:spcBef>
-                        <a:spcAft>
-                          <a:spcPct val="0"/>
-                        </a:spcAft>
-                        <a:buClr>
-                          <a:schemeClr val="accent1"/>
-                        </a:buClr>
-                        <a:buSzTx/>
-                        <a:buFont typeface="Wingdings" panose="05000000000000000000" pitchFamily="2" charset="2"/>
-                        <a:buNone/>
-                        <a:tabLst/>
-                      </a:pPr>
-                      <a:r>
-                        <a:rPr kumimoji="0" lang="en-US" altLang="en-US" sz="2800" b="0" i="0" u="none" strike="noStrike" cap="none" normalizeH="0" baseline="0" smtClean="0">
-                          <a:ln>
-                            <a:noFill/>
-                          </a:ln>
-                          <a:solidFill>
-                            <a:schemeClr val="tx1"/>
-                          </a:solidFill>
-                          <a:effectLst/>
-                          <a:latin typeface="Times New Roman" panose="02020603050405020304" pitchFamily="18" charset="0"/>
-                        </a:rPr>
-                        <a:t>Tracer addition, inlet, outlet</a:t>
-                      </a:r>
-                    </a:p>
-                  </a:txBody>
-                  <a:tcPr horzOverflow="overflow">
-                    <a:lnL w="28575" cap="flat" cmpd="sng" algn="ctr">
-                      <a:solidFill>
-                        <a:schemeClr val="tx1"/>
-                      </a:solidFill>
-                      <a:prstDash val="solid"/>
-                      <a:round/>
-                      <a:headEnd type="none" w="lg" len="med"/>
-                      <a:tailEnd type="none" w="lg" len="med"/>
-                    </a:lnL>
-                    <a:lnR w="12700" cap="flat" cmpd="sng" algn="ctr">
-                      <a:solidFill>
-                        <a:schemeClr val="tx1"/>
-                      </a:solidFill>
-                      <a:prstDash val="solid"/>
-                      <a:round/>
-                      <a:headEnd type="none" w="lg" len="med"/>
-                      <a:tailEnd type="none" w="lg" len="med"/>
-                    </a:lnR>
-                    <a:lnT w="12700" cap="flat" cmpd="sng" algn="ctr">
-                      <a:solidFill>
-                        <a:schemeClr val="tx1"/>
-                      </a:solidFill>
-                      <a:prstDash val="solid"/>
-                      <a:round/>
-                      <a:headEnd type="none" w="lg" len="med"/>
-                      <a:tailEnd type="none" w="lg" len="med"/>
-                    </a:lnT>
-                    <a:lnB w="28575" cap="flat" cmpd="sng" algn="ctr">
-                      <a:solidFill>
-                        <a:schemeClr val="tx1"/>
-                      </a:solidFill>
-                      <a:prstDash val="solid"/>
-                      <a:round/>
-                      <a:headEnd type="none" w="lg" len="med"/>
-                      <a:tailEnd type="none" w="lg" len="med"/>
-                    </a:lnB>
-                    <a:lnTlToBr>
-                      <a:noFill/>
-                    </a:lnTlToBr>
-                    <a:lnBlToTr>
-                      <a:noFill/>
-                    </a:lnBlToTr>
-                    <a:noFill/>
-                  </a:tcPr>
-                </a:tc>
-                <a:tc>
-                  <a:txBody>
-                    <a:bodyPr/>
-                    <a:lstStyle>
-                      <a:lvl1pPr>
-                        <a:spcBef>
-                          <a:spcPct val="20000"/>
-                        </a:spcBef>
-                        <a:buClr>
-                          <a:schemeClr val="accent1"/>
-                        </a:buClr>
-                        <a:buFont typeface="Wingdings" panose="05000000000000000000" pitchFamily="2" charset="2"/>
-                        <a:defRPr sz="2800">
-                          <a:solidFill>
-                            <a:schemeClr val="tx1"/>
-                          </a:solidFill>
-                          <a:latin typeface="Times New Roman" panose="02020603050405020304" pitchFamily="18" charset="0"/>
-                        </a:defRPr>
-                      </a:lvl1pPr>
-                      <a:lvl2pPr>
-                        <a:spcBef>
-                          <a:spcPct val="20000"/>
-                        </a:spcBef>
-                        <a:buClr>
-                          <a:schemeClr val="accent1"/>
-                        </a:buClr>
-                        <a:buFont typeface="Wingdings" panose="05000000000000000000" pitchFamily="2" charset="2"/>
-                        <a:defRPr sz="2400">
-                          <a:solidFill>
-                            <a:schemeClr val="tx1"/>
-                          </a:solidFill>
-                          <a:latin typeface="Times New Roman" panose="02020603050405020304" pitchFamily="18" charset="0"/>
-                        </a:defRPr>
-                      </a:lvl2pPr>
-                      <a:lvl3pPr>
-                        <a:spcBef>
-                          <a:spcPct val="20000"/>
-                        </a:spcBef>
-                        <a:buClr>
-                          <a:schemeClr val="accent1"/>
-                        </a:buClr>
-                        <a:buFont typeface="Wingdings" panose="05000000000000000000" pitchFamily="2" charset="2"/>
-                        <a:defRPr sz="2000">
-                          <a:solidFill>
-                            <a:schemeClr val="tx1"/>
-                          </a:solidFill>
-                          <a:latin typeface="Times New Roman" panose="02020603050405020304" pitchFamily="18" charset="0"/>
-                        </a:defRPr>
-                      </a:lvl3pPr>
-                      <a:lvl4pPr>
-                        <a:spcBef>
-                          <a:spcPct val="20000"/>
-                        </a:spcBef>
-                        <a:buClr>
-                          <a:schemeClr val="accent1"/>
-                        </a:buClr>
-                        <a:buFont typeface="Wingdings" panose="05000000000000000000" pitchFamily="2" charset="2"/>
-                        <a:defRPr>
-                          <a:solidFill>
-                            <a:schemeClr val="tx1"/>
-                          </a:solidFill>
-                          <a:latin typeface="Times New Roman" panose="02020603050405020304" pitchFamily="18" charset="0"/>
-                        </a:defRPr>
-                      </a:lvl4pPr>
-                      <a:lvl5pPr>
-                        <a:spcBef>
-                          <a:spcPct val="20000"/>
-                        </a:spcBef>
-                        <a:buClr>
-                          <a:schemeClr val="accent1"/>
-                        </a:buClr>
-                        <a:buFont typeface="Wingdings" panose="05000000000000000000" pitchFamily="2" charset="2"/>
-                        <a:defRPr>
-                          <a:solidFill>
-                            <a:schemeClr val="tx1"/>
-                          </a:solidFill>
-                          <a:latin typeface="Times New Roman" panose="02020603050405020304" pitchFamily="18" charset="0"/>
-                        </a:defRPr>
-                      </a:lvl5pPr>
-                      <a:lvl6pPr eaLnBrk="0" fontAlgn="base" hangingPunct="0">
-                        <a:spcBef>
-                          <a:spcPct val="20000"/>
-                        </a:spcBef>
-                        <a:spcAft>
-                          <a:spcPct val="0"/>
-                        </a:spcAft>
-                        <a:buClr>
-                          <a:schemeClr val="accent1"/>
-                        </a:buClr>
-                        <a:buFont typeface="Wingdings" panose="05000000000000000000" pitchFamily="2" charset="2"/>
-                        <a:defRPr>
-                          <a:solidFill>
-                            <a:schemeClr val="tx1"/>
-                          </a:solidFill>
-                          <a:latin typeface="Times New Roman" panose="02020603050405020304" pitchFamily="18" charset="0"/>
-                        </a:defRPr>
-                      </a:lvl6pPr>
-                      <a:lvl7pPr eaLnBrk="0" fontAlgn="base" hangingPunct="0">
-                        <a:spcBef>
-                          <a:spcPct val="20000"/>
-                        </a:spcBef>
-                        <a:spcAft>
-                          <a:spcPct val="0"/>
-                        </a:spcAft>
-                        <a:buClr>
-                          <a:schemeClr val="accent1"/>
-                        </a:buClr>
-                        <a:buFont typeface="Wingdings" panose="05000000000000000000" pitchFamily="2" charset="2"/>
-                        <a:defRPr>
-                          <a:solidFill>
-                            <a:schemeClr val="tx1"/>
-                          </a:solidFill>
-                          <a:latin typeface="Times New Roman" panose="02020603050405020304" pitchFamily="18" charset="0"/>
-                        </a:defRPr>
-                      </a:lvl7pPr>
-                      <a:lvl8pPr eaLnBrk="0" fontAlgn="base" hangingPunct="0">
-                        <a:spcBef>
-                          <a:spcPct val="20000"/>
-                        </a:spcBef>
-                        <a:spcAft>
-                          <a:spcPct val="0"/>
-                        </a:spcAft>
-                        <a:buClr>
-                          <a:schemeClr val="accent1"/>
-                        </a:buClr>
-                        <a:buFont typeface="Wingdings" panose="05000000000000000000" pitchFamily="2" charset="2"/>
-                        <a:defRPr>
-                          <a:solidFill>
-                            <a:schemeClr val="tx1"/>
-                          </a:solidFill>
-                          <a:latin typeface="Times New Roman" panose="02020603050405020304" pitchFamily="18" charset="0"/>
-                        </a:defRPr>
-                      </a:lvl8pPr>
-                      <a:lvl9pPr eaLnBrk="0" fontAlgn="base" hangingPunct="0">
-                        <a:spcBef>
-                          <a:spcPct val="20000"/>
-                        </a:spcBef>
-                        <a:spcAft>
-                          <a:spcPct val="0"/>
-                        </a:spcAft>
-                        <a:buClr>
-                          <a:schemeClr val="accent1"/>
-                        </a:buClr>
-                        <a:buFont typeface="Wingdings" panose="05000000000000000000" pitchFamily="2" charset="2"/>
-                        <a:defRPr>
-                          <a:solidFill>
-                            <a:schemeClr val="tx1"/>
-                          </a:solidFill>
-                          <a:latin typeface="Times New Roman" panose="02020603050405020304" pitchFamily="18" charset="0"/>
-                        </a:defRPr>
-                      </a:lvl9pPr>
-                    </a:lstStyle>
-                    <a:p>
-                      <a:pPr marL="0" marR="0" lvl="0" indent="0" algn="ctr" defTabSz="914400" rtl="0" eaLnBrk="0" fontAlgn="base" latinLnBrk="0" hangingPunct="0">
-                        <a:lnSpc>
-                          <a:spcPct val="100000"/>
-                        </a:lnSpc>
-                        <a:spcBef>
-                          <a:spcPct val="20000"/>
-                        </a:spcBef>
-                        <a:spcAft>
-                          <a:spcPct val="0"/>
-                        </a:spcAft>
-                        <a:buClr>
-                          <a:schemeClr val="accent1"/>
-                        </a:buClr>
-                        <a:buSzTx/>
-                        <a:buFont typeface="Wingdings" panose="05000000000000000000" pitchFamily="2" charset="2"/>
-                        <a:buNone/>
-                        <a:tabLst/>
-                      </a:pPr>
-                      <a:endParaRPr kumimoji="0" lang="en-US" altLang="en-US" sz="2800" b="0" i="0" u="none" strike="noStrike" cap="none" normalizeH="0" baseline="0" smtClean="0">
-                        <a:ln>
-                          <a:noFill/>
-                        </a:ln>
-                        <a:solidFill>
-                          <a:schemeClr val="tx1"/>
-                        </a:solidFill>
-                        <a:effectLst/>
-                        <a:latin typeface="Times New Roman" panose="02020603050405020304" pitchFamily="18" charset="0"/>
-                      </a:endParaRPr>
-                    </a:p>
-                  </a:txBody>
-                  <a:tcPr horzOverflow="overflow">
-                    <a:lnL w="12700" cap="flat" cmpd="sng" algn="ctr">
-                      <a:solidFill>
-                        <a:schemeClr val="tx1"/>
-                      </a:solidFill>
-                      <a:prstDash val="solid"/>
-                      <a:round/>
-                      <a:headEnd type="none" w="lg" len="med"/>
-                      <a:tailEnd type="none" w="lg" len="med"/>
-                    </a:lnL>
-                    <a:lnR w="12700" cap="flat" cmpd="sng" algn="ctr">
-                      <a:solidFill>
-                        <a:schemeClr val="tx1"/>
-                      </a:solidFill>
-                      <a:prstDash val="solid"/>
-                      <a:round/>
-                      <a:headEnd type="none" w="lg" len="med"/>
-                      <a:tailEnd type="none" w="lg" len="med"/>
-                    </a:lnR>
-                    <a:lnT w="12700" cap="flat" cmpd="sng" algn="ctr">
-                      <a:solidFill>
-                        <a:schemeClr val="tx1"/>
-                      </a:solidFill>
-                      <a:prstDash val="solid"/>
-                      <a:round/>
-                      <a:headEnd type="none" w="lg" len="med"/>
-                      <a:tailEnd type="none" w="lg" len="med"/>
-                    </a:lnT>
-                    <a:lnB w="28575" cap="flat" cmpd="sng" algn="ctr">
-                      <a:solidFill>
-                        <a:schemeClr val="tx1"/>
-                      </a:solidFill>
-                      <a:prstDash val="solid"/>
-                      <a:round/>
-                      <a:headEnd type="none" w="lg" len="med"/>
-                      <a:tailEnd type="none" w="lg" len="med"/>
-                    </a:lnB>
-                    <a:lnTlToBr>
-                      <a:noFill/>
-                    </a:lnTlToBr>
-                    <a:lnBlToTr>
-                      <a:noFill/>
-                    </a:lnBlToTr>
-                    <a:noFill/>
-                  </a:tcPr>
-                </a:tc>
-                <a:tc>
-                  <a:txBody>
-                    <a:bodyPr/>
-                    <a:lstStyle>
-                      <a:lvl1pPr>
-                        <a:spcBef>
-                          <a:spcPct val="20000"/>
-                        </a:spcBef>
-                        <a:buClr>
-                          <a:schemeClr val="accent1"/>
-                        </a:buClr>
-                        <a:buFont typeface="Wingdings" panose="05000000000000000000" pitchFamily="2" charset="2"/>
-                        <a:defRPr sz="2800">
-                          <a:solidFill>
-                            <a:schemeClr val="tx1"/>
-                          </a:solidFill>
-                          <a:latin typeface="Times New Roman" panose="02020603050405020304" pitchFamily="18" charset="0"/>
-                        </a:defRPr>
-                      </a:lvl1pPr>
-                      <a:lvl2pPr>
-                        <a:spcBef>
-                          <a:spcPct val="20000"/>
-                        </a:spcBef>
-                        <a:buClr>
-                          <a:schemeClr val="accent1"/>
-                        </a:buClr>
-                        <a:buFont typeface="Wingdings" panose="05000000000000000000" pitchFamily="2" charset="2"/>
-                        <a:defRPr sz="2400">
-                          <a:solidFill>
-                            <a:schemeClr val="tx1"/>
-                          </a:solidFill>
-                          <a:latin typeface="Times New Roman" panose="02020603050405020304" pitchFamily="18" charset="0"/>
-                        </a:defRPr>
-                      </a:lvl2pPr>
-                      <a:lvl3pPr>
-                        <a:spcBef>
-                          <a:spcPct val="20000"/>
-                        </a:spcBef>
-                        <a:buClr>
-                          <a:schemeClr val="accent1"/>
-                        </a:buClr>
-                        <a:buFont typeface="Wingdings" panose="05000000000000000000" pitchFamily="2" charset="2"/>
-                        <a:defRPr sz="2000">
-                          <a:solidFill>
-                            <a:schemeClr val="tx1"/>
-                          </a:solidFill>
-                          <a:latin typeface="Times New Roman" panose="02020603050405020304" pitchFamily="18" charset="0"/>
-                        </a:defRPr>
-                      </a:lvl3pPr>
-                      <a:lvl4pPr>
-                        <a:spcBef>
-                          <a:spcPct val="20000"/>
-                        </a:spcBef>
-                        <a:buClr>
-                          <a:schemeClr val="accent1"/>
-                        </a:buClr>
-                        <a:buFont typeface="Wingdings" panose="05000000000000000000" pitchFamily="2" charset="2"/>
-                        <a:defRPr>
-                          <a:solidFill>
-                            <a:schemeClr val="tx1"/>
-                          </a:solidFill>
-                          <a:latin typeface="Times New Roman" panose="02020603050405020304" pitchFamily="18" charset="0"/>
-                        </a:defRPr>
-                      </a:lvl4pPr>
-                      <a:lvl5pPr>
-                        <a:spcBef>
-                          <a:spcPct val="20000"/>
-                        </a:spcBef>
-                        <a:buClr>
-                          <a:schemeClr val="accent1"/>
-                        </a:buClr>
-                        <a:buFont typeface="Wingdings" panose="05000000000000000000" pitchFamily="2" charset="2"/>
-                        <a:defRPr>
-                          <a:solidFill>
-                            <a:schemeClr val="tx1"/>
-                          </a:solidFill>
-                          <a:latin typeface="Times New Roman" panose="02020603050405020304" pitchFamily="18" charset="0"/>
-                        </a:defRPr>
-                      </a:lvl5pPr>
-                      <a:lvl6pPr eaLnBrk="0" fontAlgn="base" hangingPunct="0">
-                        <a:spcBef>
-                          <a:spcPct val="20000"/>
-                        </a:spcBef>
-                        <a:spcAft>
-                          <a:spcPct val="0"/>
-                        </a:spcAft>
-                        <a:buClr>
-                          <a:schemeClr val="accent1"/>
-                        </a:buClr>
-                        <a:buFont typeface="Wingdings" panose="05000000000000000000" pitchFamily="2" charset="2"/>
-                        <a:defRPr>
-                          <a:solidFill>
-                            <a:schemeClr val="tx1"/>
-                          </a:solidFill>
-                          <a:latin typeface="Times New Roman" panose="02020603050405020304" pitchFamily="18" charset="0"/>
-                        </a:defRPr>
-                      </a:lvl6pPr>
-                      <a:lvl7pPr eaLnBrk="0" fontAlgn="base" hangingPunct="0">
-                        <a:spcBef>
-                          <a:spcPct val="20000"/>
-                        </a:spcBef>
-                        <a:spcAft>
-                          <a:spcPct val="0"/>
-                        </a:spcAft>
-                        <a:buClr>
-                          <a:schemeClr val="accent1"/>
-                        </a:buClr>
-                        <a:buFont typeface="Wingdings" panose="05000000000000000000" pitchFamily="2" charset="2"/>
-                        <a:defRPr>
-                          <a:solidFill>
-                            <a:schemeClr val="tx1"/>
-                          </a:solidFill>
-                          <a:latin typeface="Times New Roman" panose="02020603050405020304" pitchFamily="18" charset="0"/>
-                        </a:defRPr>
-                      </a:lvl7pPr>
-                      <a:lvl8pPr eaLnBrk="0" fontAlgn="base" hangingPunct="0">
-                        <a:spcBef>
-                          <a:spcPct val="20000"/>
-                        </a:spcBef>
-                        <a:spcAft>
-                          <a:spcPct val="0"/>
-                        </a:spcAft>
-                        <a:buClr>
-                          <a:schemeClr val="accent1"/>
-                        </a:buClr>
-                        <a:buFont typeface="Wingdings" panose="05000000000000000000" pitchFamily="2" charset="2"/>
-                        <a:defRPr>
-                          <a:solidFill>
-                            <a:schemeClr val="tx1"/>
-                          </a:solidFill>
-                          <a:latin typeface="Times New Roman" panose="02020603050405020304" pitchFamily="18" charset="0"/>
-                        </a:defRPr>
-                      </a:lvl8pPr>
-                      <a:lvl9pPr eaLnBrk="0" fontAlgn="base" hangingPunct="0">
-                        <a:spcBef>
-                          <a:spcPct val="20000"/>
-                        </a:spcBef>
-                        <a:spcAft>
-                          <a:spcPct val="0"/>
-                        </a:spcAft>
-                        <a:buClr>
-                          <a:schemeClr val="accent1"/>
-                        </a:buClr>
-                        <a:buFont typeface="Wingdings" panose="05000000000000000000" pitchFamily="2" charset="2"/>
-                        <a:defRPr>
-                          <a:solidFill>
-                            <a:schemeClr val="tx1"/>
-                          </a:solidFill>
-                          <a:latin typeface="Times New Roman" panose="02020603050405020304" pitchFamily="18" charset="0"/>
-                        </a:defRPr>
-                      </a:lvl9pPr>
-                    </a:lstStyle>
-                    <a:p>
-                      <a:pPr marL="0" marR="0" lvl="0" indent="0" algn="l" defTabSz="914400" rtl="0" eaLnBrk="0" fontAlgn="base" latinLnBrk="0" hangingPunct="0">
-                        <a:lnSpc>
-                          <a:spcPct val="100000"/>
-                        </a:lnSpc>
-                        <a:spcBef>
-                          <a:spcPct val="20000"/>
-                        </a:spcBef>
-                        <a:spcAft>
-                          <a:spcPct val="0"/>
-                        </a:spcAft>
-                        <a:buClr>
-                          <a:schemeClr val="accent1"/>
-                        </a:buClr>
-                        <a:buSzTx/>
-                        <a:buFont typeface="Wingdings" panose="05000000000000000000" pitchFamily="2" charset="2"/>
-                        <a:buNone/>
-                        <a:tabLst/>
-                      </a:pPr>
-                      <a:endParaRPr kumimoji="0" lang="en-US" altLang="en-US" sz="2800" b="0" i="0" u="none" strike="noStrike" cap="none" normalizeH="0" baseline="0" smtClean="0">
-                        <a:ln>
-                          <a:noFill/>
-                        </a:ln>
-                        <a:solidFill>
-                          <a:schemeClr val="tx1"/>
-                        </a:solidFill>
-                        <a:effectLst/>
-                        <a:latin typeface="Times New Roman" panose="02020603050405020304" pitchFamily="18" charset="0"/>
-                      </a:endParaRPr>
-                    </a:p>
-                  </a:txBody>
-                  <a:tcPr horzOverflow="overflow">
-                    <a:lnL w="12700" cap="flat" cmpd="sng" algn="ctr">
-                      <a:solidFill>
-                        <a:schemeClr val="tx1"/>
-                      </a:solidFill>
-                      <a:prstDash val="solid"/>
-                      <a:round/>
-                      <a:headEnd type="none" w="lg" len="med"/>
-                      <a:tailEnd type="none" w="lg" len="med"/>
-                    </a:lnL>
-                    <a:lnR w="28575" cap="flat" cmpd="sng" algn="ctr">
-                      <a:solidFill>
-                        <a:schemeClr val="tx1"/>
-                      </a:solidFill>
-                      <a:prstDash val="solid"/>
-                      <a:round/>
-                      <a:headEnd type="none" w="lg" len="med"/>
-                      <a:tailEnd type="none" w="lg" len="med"/>
-                    </a:lnR>
-                    <a:lnT w="12700" cap="flat" cmpd="sng" algn="ctr">
-                      <a:solidFill>
-                        <a:schemeClr val="tx1"/>
-                      </a:solidFill>
-                      <a:prstDash val="solid"/>
-                      <a:round/>
-                      <a:headEnd type="none" w="lg" len="med"/>
-                      <a:tailEnd type="none" w="lg" len="med"/>
-                    </a:lnT>
-                    <a:lnB w="28575" cap="flat" cmpd="sng" algn="ctr">
-                      <a:solidFill>
-                        <a:schemeClr val="tx1"/>
-                      </a:solidFill>
-                      <a:prstDash val="solid"/>
-                      <a:round/>
-                      <a:headEnd type="none" w="lg" len="med"/>
-                      <a:tailEnd type="none" w="lg" len="med"/>
-                    </a:lnB>
-                    <a:lnTlToBr>
-                      <a:noFill/>
-                    </a:lnTlToBr>
-                    <a:lnBlToTr>
-                      <a:noFill/>
-                    </a:lnBlToTr>
-                    <a:noFill/>
-                  </a:tcPr>
-                </a:tc>
-                <a:extLst>
-                  <a:ext uri="{0D108BD9-81ED-4DB2-BD59-A6C34878D82A}">
-                    <a16:rowId xmlns:a16="http://schemas.microsoft.com/office/drawing/2014/main" val="3207970311"/>
-                  </a:ext>
-                </a:extLst>
-              </a:tr>
-            </a:tbl>
-          </a:graphicData>
-        </a:graphic>
-      </p:graphicFrame>
-      <p:graphicFrame>
-        <p:nvGraphicFramePr>
-          <p:cNvPr id="36895" name="Object 31"/>
-          <p:cNvGraphicFramePr>
-            <a:graphicFrameLocks noChangeAspect="1"/>
-          </p:cNvGraphicFramePr>
-          <p:nvPr/>
-        </p:nvGraphicFramePr>
-        <p:xfrm>
-          <a:off x="3355975" y="3476625"/>
-          <a:ext cx="787400" cy="781050"/>
-        </p:xfrm>
-        <a:graphic>
-          <a:graphicData uri="http://schemas.openxmlformats.org/presentationml/2006/ole">
-            <mc:AlternateContent xmlns:mc="http://schemas.openxmlformats.org/markup-compatibility/2006">
-              <mc:Choice xmlns:v="urn:schemas-microsoft-com:vml" Requires="v">
-                <p:oleObj spid="_x0000_s36918" name="Equation" r:id="rId3" imgW="787320" imgH="787320" progId="Equation.DSMT4">
-                  <p:embed/>
-                </p:oleObj>
-              </mc:Choice>
-              <mc:Fallback>
-                <p:oleObj name="Equation" r:id="rId3" imgW="787320" imgH="787320" progId="Equation.DSMT4">
-                  <p:embed/>
-                  <p:pic>
-                    <p:nvPicPr>
-                      <p:cNvPr id="0" name="Object 31"/>
-                      <p:cNvPicPr>
-                        <a:picLocks noChangeAspect="1" noChangeArrowheads="1"/>
-                      </p:cNvPicPr>
-                      <p:nvPr/>
-                    </p:nvPicPr>
-                    <p:blipFill>
-                      <a:blip r:embed="rId4">
-                        <a:extLst>
-                          <a:ext uri="{28A0092B-C50C-407E-A947-70E740481C1C}">
-                            <a14:useLocalDpi xmlns:a14="http://schemas.microsoft.com/office/drawing/2010/main" val="0"/>
-                          </a:ext>
-                        </a:extLst>
-                      </a:blip>
-                      <a:srcRect/>
-                      <a:stretch>
-                        <a:fillRect/>
-                      </a:stretch>
-                    </p:blipFill>
-                    <p:spPr bwMode="auto">
-                      <a:xfrm>
-                        <a:off x="3355975" y="3476625"/>
-                        <a:ext cx="787400" cy="781050"/>
-                      </a:xfrm>
-                      <a:prstGeom prst="rect">
-                        <a:avLst/>
-                      </a:prstGeom>
-                      <a:noFill/>
-                      <a:extLst>
-                        <a:ext uri="{909E8E84-426E-40DD-AFC4-6F175D3DCCD1}">
-                          <a14:hiddenFill xmlns:a14="http://schemas.microsoft.com/office/drawing/2010/main">
-                            <a:solidFill>
-                              <a:srgbClr val="FFFFFF"/>
-                            </a:solidFill>
-                          </a14:hiddenFill>
-                        </a:ext>
-                      </a:extLst>
-                    </p:spPr>
-                  </p:pic>
-                </p:oleObj>
-              </mc:Fallback>
-            </mc:AlternateContent>
-          </a:graphicData>
-        </a:graphic>
-      </p:graphicFrame>
-      <p:graphicFrame>
-        <p:nvGraphicFramePr>
-          <p:cNvPr id="36897" name="Object 33"/>
-          <p:cNvGraphicFramePr>
-            <a:graphicFrameLocks noChangeAspect="1"/>
-          </p:cNvGraphicFramePr>
-          <p:nvPr/>
-        </p:nvGraphicFramePr>
-        <p:xfrm>
-          <a:off x="4686300" y="3636963"/>
-          <a:ext cx="622300" cy="377825"/>
-        </p:xfrm>
-        <a:graphic>
-          <a:graphicData uri="http://schemas.openxmlformats.org/presentationml/2006/ole">
-            <mc:AlternateContent xmlns:mc="http://schemas.openxmlformats.org/markup-compatibility/2006">
-              <mc:Choice xmlns:v="urn:schemas-microsoft-com:vml" Requires="v">
-                <p:oleObj spid="_x0000_s36919" name="Equation" r:id="rId5" imgW="622080" imgH="380880" progId="Equation.DSMT4">
-                  <p:embed/>
-                </p:oleObj>
-              </mc:Choice>
-              <mc:Fallback>
-                <p:oleObj name="Equation" r:id="rId5" imgW="622080" imgH="380880" progId="Equation.DSMT4">
-                  <p:embed/>
-                  <p:pic>
-                    <p:nvPicPr>
-                      <p:cNvPr id="0" name="Object 33"/>
-                      <p:cNvPicPr>
-                        <a:picLocks noChangeAspect="1" noChangeArrowheads="1"/>
-                      </p:cNvPicPr>
-                      <p:nvPr/>
-                    </p:nvPicPr>
-                    <p:blipFill>
-                      <a:blip r:embed="rId6">
-                        <a:extLst>
-                          <a:ext uri="{28A0092B-C50C-407E-A947-70E740481C1C}">
-                            <a14:useLocalDpi xmlns:a14="http://schemas.microsoft.com/office/drawing/2010/main" val="0"/>
-                          </a:ext>
-                        </a:extLst>
-                      </a:blip>
-                      <a:srcRect/>
-                      <a:stretch>
-                        <a:fillRect/>
-                      </a:stretch>
-                    </p:blipFill>
-                    <p:spPr bwMode="auto">
-                      <a:xfrm>
-                        <a:off x="4686300" y="3636963"/>
-                        <a:ext cx="622300" cy="377825"/>
-                      </a:xfrm>
-                      <a:prstGeom prst="rect">
-                        <a:avLst/>
-                      </a:prstGeom>
-                      <a:noFill/>
-                      <a:extLst>
-                        <a:ext uri="{909E8E84-426E-40DD-AFC4-6F175D3DCCD1}">
-                          <a14:hiddenFill xmlns:a14="http://schemas.microsoft.com/office/drawing/2010/main">
-                            <a:solidFill>
-                              <a:srgbClr val="FFFFFF"/>
-                            </a:solidFill>
-                          </a14:hiddenFill>
-                        </a:ext>
-                      </a:extLst>
-                    </p:spPr>
-                  </p:pic>
-                </p:oleObj>
-              </mc:Fallback>
-            </mc:AlternateContent>
-          </a:graphicData>
-        </a:graphic>
-      </p:graphicFrame>
-      <p:sp>
-        <p:nvSpPr>
-          <p:cNvPr id="36898" name="Text Box 34"/>
-          <p:cNvSpPr txBox="1">
-            <a:spLocks noChangeArrowheads="1"/>
-          </p:cNvSpPr>
-          <p:nvPr/>
-        </p:nvSpPr>
-        <p:spPr bwMode="auto">
-          <a:xfrm>
-            <a:off x="4225925" y="3408363"/>
-            <a:ext cx="454025" cy="823912"/>
-          </a:xfrm>
-          <a:prstGeom prst="rect">
-            <a:avLst/>
-          </a:prstGeom>
-          <a:noFill/>
-          <a:ln>
-            <a:noFill/>
-          </a:ln>
-          <a:effectLst/>
-          <a:extLst>
-            <a:ext uri="{909E8E84-426E-40DD-AFC4-6F175D3DCCD1}">
-              <a14:hiddenFill xmlns:a14="http://schemas.microsoft.com/office/drawing/2010/main">
-                <a:solidFill>
-                  <a:schemeClr val="bg1"/>
-                </a:solidFill>
-              </a14:hiddenFill>
-            </a:ext>
-            <a:ext uri="{91240B29-F687-4F45-9708-019B960494DF}">
-              <a14:hiddenLine xmlns:a14="http://schemas.microsoft.com/office/drawing/2010/main" w="12700">
-                <a:solidFill>
-                  <a:schemeClr val="tx1"/>
-                </a:solidFill>
-                <a:miter lim="800000"/>
-                <a:headEnd type="none" w="lg" len="med"/>
-                <a:tailEnd type="none" w="lg" len="med"/>
-              </a14:hiddenLine>
-            </a:ext>
-            <a:ext uri="{AF507438-7753-43E0-B8FC-AC1667EBCBE1}">
-              <a14:hiddenEffects xmlns:a14="http://schemas.microsoft.com/office/drawing/2010/main">
-                <a:effectLst>
-                  <a:outerShdw dist="35921" dir="2700000" algn="ctr" rotWithShape="0">
-                    <a:schemeClr val="bg2"/>
-                  </a:outerShdw>
-                </a:effectLst>
-              </a14:hiddenEffects>
-            </a:ext>
-          </a:extLst>
-        </p:spPr>
-        <p:txBody>
-          <a:bodyPr wrap="none">
-            <a:spAutoFit/>
-          </a:bodyPr>
-          <a:lstStyle/>
-          <a:p>
-            <a:r>
-              <a:rPr lang="en-US" altLang="en-US" sz="4800"/>
-              <a:t>?</a:t>
-            </a:r>
-          </a:p>
-        </p:txBody>
-      </p:sp>
-      <p:sp>
-        <p:nvSpPr>
-          <p:cNvPr id="36899" name="Text Box 35"/>
-          <p:cNvSpPr txBox="1">
-            <a:spLocks noChangeArrowheads="1"/>
-          </p:cNvSpPr>
-          <p:nvPr/>
-        </p:nvSpPr>
-        <p:spPr bwMode="auto">
-          <a:xfrm>
-            <a:off x="4030663" y="4183063"/>
-            <a:ext cx="528637" cy="823912"/>
-          </a:xfrm>
-          <a:prstGeom prst="rect">
-            <a:avLst/>
-          </a:prstGeom>
-          <a:noFill/>
-          <a:ln>
-            <a:noFill/>
-          </a:ln>
-          <a:effectLst/>
-          <a:extLst>
-            <a:ext uri="{909E8E84-426E-40DD-AFC4-6F175D3DCCD1}">
-              <a14:hiddenFill xmlns:a14="http://schemas.microsoft.com/office/drawing/2010/main">
-                <a:solidFill>
-                  <a:schemeClr val="bg1"/>
-                </a:solidFill>
-              </a14:hiddenFill>
-            </a:ext>
-            <a:ext uri="{91240B29-F687-4F45-9708-019B960494DF}">
-              <a14:hiddenLine xmlns:a14="http://schemas.microsoft.com/office/drawing/2010/main" w="12700">
-                <a:solidFill>
-                  <a:schemeClr val="tx1"/>
-                </a:solidFill>
-                <a:miter lim="800000"/>
-                <a:headEnd type="none" w="lg" len="med"/>
-                <a:tailEnd type="none" w="lg" len="med"/>
-              </a14:hiddenLine>
-            </a:ext>
-            <a:ext uri="{AF507438-7753-43E0-B8FC-AC1667EBCBE1}">
-              <a14:hiddenEffects xmlns:a14="http://schemas.microsoft.com/office/drawing/2010/main">
-                <a:effectLst>
-                  <a:outerShdw dist="35921" dir="2700000" algn="ctr" rotWithShape="0">
-                    <a:schemeClr val="bg2"/>
-                  </a:outerShdw>
-                </a:effectLst>
-              </a14:hiddenEffects>
-            </a:ext>
-          </a:extLst>
-        </p:spPr>
-        <p:txBody>
-          <a:bodyPr wrap="none">
-            <a:spAutoFit/>
-          </a:bodyPr>
-          <a:lstStyle/>
-          <a:p>
-            <a:r>
-              <a:rPr lang="en-US" altLang="en-US" sz="4800">
-                <a:solidFill>
-                  <a:schemeClr val="accent4"/>
-                </a:solidFill>
-              </a:rPr>
-              <a:t>&gt;</a:t>
-            </a:r>
-          </a:p>
-        </p:txBody>
-      </p:sp>
-      <p:sp>
-        <p:nvSpPr>
-          <p:cNvPr id="36907" name="Text Box 43"/>
-          <p:cNvSpPr txBox="1">
-            <a:spLocks noChangeArrowheads="1"/>
-          </p:cNvSpPr>
-          <p:nvPr/>
-        </p:nvSpPr>
-        <p:spPr bwMode="auto">
-          <a:xfrm>
-            <a:off x="5418138" y="4292600"/>
-            <a:ext cx="3379787" cy="519113"/>
-          </a:xfrm>
-          <a:prstGeom prst="rect">
-            <a:avLst/>
-          </a:prstGeom>
-          <a:noFill/>
-          <a:ln>
-            <a:noFill/>
-          </a:ln>
-          <a:effectLst/>
-          <a:extLst>
-            <a:ext uri="{909E8E84-426E-40DD-AFC4-6F175D3DCCD1}">
-              <a14:hiddenFill xmlns:a14="http://schemas.microsoft.com/office/drawing/2010/main">
-                <a:solidFill>
-                  <a:schemeClr val="bg1"/>
-                </a:solidFill>
-              </a14:hiddenFill>
-            </a:ext>
-            <a:ext uri="{91240B29-F687-4F45-9708-019B960494DF}">
-              <a14:hiddenLine xmlns:a14="http://schemas.microsoft.com/office/drawing/2010/main" w="12700">
-                <a:solidFill>
-                  <a:schemeClr val="tx1"/>
-                </a:solidFill>
-                <a:miter lim="800000"/>
-                <a:headEnd type="none" w="lg" len="med"/>
-                <a:tailEnd type="none" w="lg" len="med"/>
-              </a14:hiddenLine>
-            </a:ext>
-            <a:ext uri="{AF507438-7753-43E0-B8FC-AC1667EBCBE1}">
-              <a14:hiddenEffects xmlns:a14="http://schemas.microsoft.com/office/drawing/2010/main">
-                <a:effectLst>
-                  <a:outerShdw dist="35921" dir="2700000" algn="ctr" rotWithShape="0">
-                    <a:schemeClr val="bg2"/>
-                  </a:outerShdw>
-                </a:effectLst>
-              </a14:hiddenEffects>
-            </a:ext>
-          </a:extLst>
-        </p:spPr>
-        <p:txBody>
-          <a:bodyPr wrap="none">
-            <a:spAutoFit/>
-          </a:bodyPr>
-          <a:lstStyle/>
-          <a:p>
-            <a:pPr>
-              <a:spcBef>
-                <a:spcPct val="20000"/>
-              </a:spcBef>
-              <a:buClr>
-                <a:schemeClr val="accent1"/>
-              </a:buClr>
-              <a:buFont typeface="Wingdings" panose="05000000000000000000" pitchFamily="2" charset="2"/>
-              <a:buNone/>
-            </a:pPr>
-            <a:r>
-              <a:rPr lang="en-US" altLang="en-US" dirty="0">
-                <a:solidFill>
-                  <a:schemeClr val="accent4"/>
-                </a:solidFill>
-              </a:rPr>
-              <a:t>Not all volume is used</a:t>
-            </a:r>
-          </a:p>
-        </p:txBody>
-      </p:sp>
-      <p:sp>
-        <p:nvSpPr>
-          <p:cNvPr id="36909" name="Text Box 45"/>
-          <p:cNvSpPr txBox="1">
-            <a:spLocks noChangeArrowheads="1"/>
-          </p:cNvSpPr>
-          <p:nvPr/>
-        </p:nvSpPr>
-        <p:spPr bwMode="auto">
-          <a:xfrm>
-            <a:off x="3960813" y="4903788"/>
-            <a:ext cx="528637" cy="823912"/>
-          </a:xfrm>
-          <a:prstGeom prst="rect">
-            <a:avLst/>
-          </a:prstGeom>
-          <a:noFill/>
-          <a:ln>
-            <a:noFill/>
-          </a:ln>
-          <a:effectLst/>
-          <a:extLst>
-            <a:ext uri="{909E8E84-426E-40DD-AFC4-6F175D3DCCD1}">
-              <a14:hiddenFill xmlns:a14="http://schemas.microsoft.com/office/drawing/2010/main">
-                <a:solidFill>
-                  <a:schemeClr val="bg1"/>
-                </a:solidFill>
-              </a14:hiddenFill>
-            </a:ext>
-            <a:ext uri="{91240B29-F687-4F45-9708-019B960494DF}">
-              <a14:hiddenLine xmlns:a14="http://schemas.microsoft.com/office/drawing/2010/main" w="12700">
-                <a:solidFill>
-                  <a:schemeClr val="tx1"/>
-                </a:solidFill>
-                <a:miter lim="800000"/>
-                <a:headEnd type="none" w="lg" len="med"/>
-                <a:tailEnd type="none" w="lg" len="med"/>
-              </a14:hiddenLine>
-            </a:ext>
-            <a:ext uri="{AF507438-7753-43E0-B8FC-AC1667EBCBE1}">
-              <a14:hiddenEffects xmlns:a14="http://schemas.microsoft.com/office/drawing/2010/main">
-                <a:effectLst>
-                  <a:outerShdw dist="35921" dir="2700000" algn="ctr" rotWithShape="0">
-                    <a:schemeClr val="bg2"/>
-                  </a:outerShdw>
-                </a:effectLst>
-              </a14:hiddenEffects>
-            </a:ext>
-          </a:extLst>
-        </p:spPr>
-        <p:txBody>
-          <a:bodyPr wrap="none">
-            <a:spAutoFit/>
-          </a:bodyPr>
-          <a:lstStyle/>
-          <a:p>
-            <a:r>
-              <a:rPr lang="en-US" altLang="en-US" sz="4800">
-                <a:solidFill>
-                  <a:schemeClr val="accent4"/>
-                </a:solidFill>
-              </a:rPr>
-              <a:t>&lt;</a:t>
-            </a:r>
-          </a:p>
-        </p:txBody>
-      </p:sp>
-      <p:sp>
-        <p:nvSpPr>
-          <p:cNvPr id="36910" name="Text Box 46"/>
-          <p:cNvSpPr txBox="1">
-            <a:spLocks noChangeArrowheads="1"/>
-          </p:cNvSpPr>
-          <p:nvPr/>
-        </p:nvSpPr>
-        <p:spPr bwMode="auto">
-          <a:xfrm>
-            <a:off x="5441950" y="5073650"/>
-            <a:ext cx="2757488" cy="519113"/>
-          </a:xfrm>
-          <a:prstGeom prst="rect">
-            <a:avLst/>
-          </a:prstGeom>
-          <a:noFill/>
-          <a:ln>
-            <a:noFill/>
-          </a:ln>
-          <a:effectLst/>
-          <a:extLst>
-            <a:ext uri="{909E8E84-426E-40DD-AFC4-6F175D3DCCD1}">
-              <a14:hiddenFill xmlns:a14="http://schemas.microsoft.com/office/drawing/2010/main">
-                <a:solidFill>
-                  <a:schemeClr val="bg1"/>
-                </a:solidFill>
-              </a14:hiddenFill>
-            </a:ext>
-            <a:ext uri="{91240B29-F687-4F45-9708-019B960494DF}">
-              <a14:hiddenLine xmlns:a14="http://schemas.microsoft.com/office/drawing/2010/main" w="12700">
-                <a:solidFill>
-                  <a:schemeClr val="tx1"/>
-                </a:solidFill>
-                <a:miter lim="800000"/>
-                <a:headEnd type="none" w="lg" len="med"/>
-                <a:tailEnd type="none" w="lg" len="med"/>
-              </a14:hiddenLine>
-            </a:ext>
-            <a:ext uri="{AF507438-7753-43E0-B8FC-AC1667EBCBE1}">
-              <a14:hiddenEffects xmlns:a14="http://schemas.microsoft.com/office/drawing/2010/main">
-                <a:effectLst>
-                  <a:outerShdw dist="35921" dir="2700000" algn="ctr" rotWithShape="0">
-                    <a:schemeClr val="bg2"/>
-                  </a:outerShdw>
-                </a:effectLst>
-              </a14:hiddenEffects>
-            </a:ext>
-          </a:extLst>
-        </p:spPr>
-        <p:txBody>
-          <a:bodyPr wrap="none">
-            <a:spAutoFit/>
-          </a:bodyPr>
-          <a:lstStyle/>
-          <a:p>
-            <a:pPr>
-              <a:spcBef>
-                <a:spcPct val="20000"/>
-              </a:spcBef>
-              <a:buClr>
-                <a:schemeClr val="accent1"/>
-              </a:buClr>
-              <a:buFont typeface="Wingdings" panose="05000000000000000000" pitchFamily="2" charset="2"/>
-              <a:buNone/>
-            </a:pPr>
-            <a:r>
-              <a:rPr lang="en-US" altLang="en-US">
-                <a:solidFill>
-                  <a:schemeClr val="accent4"/>
-                </a:solidFill>
-              </a:rPr>
-              <a:t>Volume increased</a:t>
-            </a:r>
-          </a:p>
-        </p:txBody>
-      </p:sp>
-    </p:spTree>
-  </p:cSld>
-  <p:clrMapOvr>
-    <a:masterClrMapping/>
-  </p:clrMapOvr>
-  <p:transition>
-    <p:fade/>
-  </p:transition>
-  <p:timing>
-    <p:tnLst>
-      <p:par>
-        <p:cTn id="1" dur="indefinite" restart="never" nodeType="tmRoot">
-          <p:childTnLst>
-            <p:seq concurrent="1" nextAc="seek">
-              <p:cTn id="2" dur="indefinite" nodeType="mainSeq">
-                <p:childTnLst>
-                  <p:par>
-                    <p:cTn id="3" fill="hold" nodeType="clickPar">
-                      <p:stCondLst>
-                        <p:cond delay="indefinite"/>
-                      </p:stCondLst>
-                      <p:childTnLst>
-                        <p:par>
-                          <p:cTn id="4" fill="hold" nodeType="withGroup">
-                            <p:stCondLst>
-                              <p:cond delay="0"/>
-                            </p:stCondLst>
-                            <p:childTnLst>
-                              <p:par>
-                                <p:cTn id="5" presetID="1" presetClass="entr" presetSubtype="0" fill="hold" nodeType="clickEffect">
-                                  <p:stCondLst>
-                                    <p:cond delay="0"/>
-                                  </p:stCondLst>
-                                  <p:childTnLst>
-                                    <p:set>
-                                      <p:cBhvr>
-                                        <p:cTn id="6" dur="1" fill="hold">
-                                          <p:stCondLst>
-                                            <p:cond delay="0"/>
-                                          </p:stCondLst>
-                                        </p:cTn>
-                                        <p:tgtEl>
-                                          <p:spTgt spid="36899">
-                                            <p:txEl>
-                                              <p:pRg st="0" end="0"/>
-                                            </p:txEl>
-                                          </p:spTgt>
-                                        </p:tgtEl>
-                                        <p:attrNameLst>
-                                          <p:attrName>style.visibility</p:attrName>
-                                        </p:attrNameLst>
-                                      </p:cBhvr>
-                                      <p:to>
-                                        <p:strVal val="visible"/>
-                                      </p:to>
-                                    </p:set>
-                                  </p:childTnLst>
-                                </p:cTn>
-                              </p:par>
-                            </p:childTnLst>
-                          </p:cTn>
-                        </p:par>
-                      </p:childTnLst>
-                    </p:cTn>
-                  </p:par>
-                  <p:par>
-                    <p:cTn id="7" fill="hold" nodeType="clickPar">
-                      <p:stCondLst>
-                        <p:cond delay="indefinite"/>
-                      </p:stCondLst>
-                      <p:childTnLst>
-                        <p:par>
-                          <p:cTn id="8" fill="hold" nodeType="withGroup">
-                            <p:stCondLst>
-                              <p:cond delay="0"/>
-                            </p:stCondLst>
-                            <p:childTnLst>
-                              <p:par>
-                                <p:cTn id="9" presetID="1" presetClass="entr" presetSubtype="0" fill="hold" grpId="0" nodeType="clickEffect">
-                                  <p:stCondLst>
-                                    <p:cond delay="0"/>
-                                  </p:stCondLst>
-                                  <p:childTnLst>
-                                    <p:set>
-                                      <p:cBhvr>
-                                        <p:cTn id="10" dur="1" fill="hold">
-                                          <p:stCondLst>
-                                            <p:cond delay="0"/>
-                                          </p:stCondLst>
-                                        </p:cTn>
-                                        <p:tgtEl>
-                                          <p:spTgt spid="36907"/>
-                                        </p:tgtEl>
-                                        <p:attrNameLst>
-                                          <p:attrName>style.visibility</p:attrName>
-                                        </p:attrNameLst>
-                                      </p:cBhvr>
-                                      <p:to>
-                                        <p:strVal val="visible"/>
-                                      </p:to>
-                                    </p:set>
-                                  </p:childTnLst>
-                                </p:cTn>
-                              </p:par>
-                            </p:childTnLst>
-                          </p:cTn>
-                        </p:par>
-                      </p:childTnLst>
-                    </p:cTn>
-                  </p:par>
-                  <p:par>
-                    <p:cTn id="11" fill="hold" nodeType="clickPar">
-                      <p:stCondLst>
-                        <p:cond delay="indefinite"/>
-                      </p:stCondLst>
-                      <p:childTnLst>
-                        <p:par>
-                          <p:cTn id="12" fill="hold" nodeType="withGroup">
-                            <p:stCondLst>
-                              <p:cond delay="0"/>
-                            </p:stCondLst>
-                            <p:childTnLst>
-                              <p:par>
-                                <p:cTn id="13" presetID="1" presetClass="entr" presetSubtype="0" fill="hold" nodeType="clickEffect">
-                                  <p:stCondLst>
-                                    <p:cond delay="0"/>
-                                  </p:stCondLst>
-                                  <p:childTnLst>
-                                    <p:set>
-                                      <p:cBhvr>
-                                        <p:cTn id="14" dur="1" fill="hold">
-                                          <p:stCondLst>
-                                            <p:cond delay="0"/>
-                                          </p:stCondLst>
-                                        </p:cTn>
-                                        <p:tgtEl>
-                                          <p:spTgt spid="36909">
-                                            <p:txEl>
-                                              <p:pRg st="0" end="0"/>
-                                            </p:txEl>
-                                          </p:spTgt>
-                                        </p:tgtEl>
-                                        <p:attrNameLst>
-                                          <p:attrName>style.visibility</p:attrName>
-                                        </p:attrNameLst>
-                                      </p:cBhvr>
-                                      <p:to>
-                                        <p:strVal val="visible"/>
-                                      </p:to>
-                                    </p:set>
-                                  </p:childTnLst>
-                                </p:cTn>
-                              </p:par>
-                            </p:childTnLst>
-                          </p:cTn>
-                        </p:par>
-                      </p:childTnLst>
-                    </p:cTn>
-                  </p:par>
-                  <p:par>
-                    <p:cTn id="15" fill="hold" nodeType="clickPar">
-                      <p:stCondLst>
-                        <p:cond delay="indefinite"/>
-                      </p:stCondLst>
-                      <p:childTnLst>
-                        <p:par>
-                          <p:cTn id="16" fill="hold" nodeType="withGroup">
-                            <p:stCondLst>
-                              <p:cond delay="0"/>
-                            </p:stCondLst>
-                            <p:childTnLst>
-                              <p:par>
-                                <p:cTn id="17" presetID="1" presetClass="entr" presetSubtype="0" fill="hold" grpId="0" nodeType="clickEffect">
-                                  <p:stCondLst>
-                                    <p:cond delay="0"/>
-                                  </p:stCondLst>
-                                  <p:childTnLst>
-                                    <p:set>
-                                      <p:cBhvr>
-                                        <p:cTn id="18" dur="1" fill="hold">
-                                          <p:stCondLst>
-                                            <p:cond delay="0"/>
-                                          </p:stCondLst>
-                                        </p:cTn>
-                                        <p:tgtEl>
-                                          <p:spTgt spid="36910"/>
-                                        </p:tgtEl>
-                                        <p:attrNameLst>
-                                          <p:attrName>style.visibility</p:attrName>
-                                        </p:attrNameLst>
-                                      </p:cBhvr>
-                                      <p:to>
-                                        <p:strVal val="visible"/>
-                                      </p:to>
-                                    </p:set>
-                                  </p:childTnLst>
-                                </p:cTn>
-                              </p:par>
-                            </p:childTnLst>
-                          </p:cTn>
-                        </p:par>
-                      </p:childTnLst>
-                    </p:cTn>
-                  </p:par>
-                </p:childTnLst>
-              </p:cTn>
-              <p:prevCondLst>
-                <p:cond evt="onPrev" delay="0">
-                  <p:tgtEl>
-                    <p:sldTgt/>
-                  </p:tgtEl>
-                </p:cond>
-              </p:prevCondLst>
-              <p:nextCondLst>
-                <p:cond evt="onNext" delay="0">
-                  <p:tgtEl>
-                    <p:sldTgt/>
-                  </p:tgtEl>
-                </p:cond>
-              </p:nextCondLst>
-            </p:seq>
-          </p:childTnLst>
-        </p:cTn>
-      </p:par>
-    </p:tnLst>
-    <p:bldLst>
-      <p:bldP spid="36907" grpId="0"/>
-      <p:bldP spid="36910" grpId="0"/>
-    </p:bldLst>
-  </p:timing>
-</p:sld>
-</file>
-
-<file path=ppt/slides/slide5.xml><?xml version="1.0" encoding="utf-8"?>
-<p:sld xmlns:a="http://schemas.openxmlformats.org/drawingml/2006/main" xmlns:r="http://schemas.openxmlformats.org/officeDocument/2006/relationships" xmlns:p="http://schemas.openxmlformats.org/presentationml/2006/main">
-  <p:cSld>
-    <p:spTree>
-      <p:nvGrpSpPr>
-        <p:cNvPr id="1" name=""/>
-        <p:cNvGrpSpPr/>
-        <p:nvPr/>
-      </p:nvGrpSpPr>
-      <p:grpSpPr>
-        <a:xfrm>
-          <a:off x="0" y="0"/>
-          <a:ext cx="0" cy="0"/>
-          <a:chOff x="0" y="0"/>
-          <a:chExt cx="0" cy="0"/>
-        </a:xfrm>
-      </p:grpSpPr>
-      <p:sp>
-        <p:nvSpPr>
-          <p:cNvPr id="35842" name="Rectangle 2"/>
-          <p:cNvSpPr>
-            <a:spLocks noGrp="1" noChangeArrowheads="1"/>
-          </p:cNvSpPr>
-          <p:nvPr>
-            <p:ph type="title"/>
-          </p:nvPr>
-        </p:nvSpPr>
-        <p:spPr/>
-        <p:txBody>
-          <a:bodyPr/>
-          <a:lstStyle/>
-          <a:p>
-            <a:r>
-              <a:rPr lang="en-US" altLang="en-US"/>
-              <a:t>Baffle Factor Calculations</a:t>
-            </a:r>
-          </a:p>
-        </p:txBody>
-      </p:sp>
-      <p:sp>
-        <p:nvSpPr>
-          <p:cNvPr id="35843" name="Rectangle 3"/>
-          <p:cNvSpPr>
-            <a:spLocks noGrp="1" noChangeArrowheads="1"/>
-          </p:cNvSpPr>
-          <p:nvPr>
-            <p:ph idx="1"/>
-          </p:nvPr>
-        </p:nvSpPr>
-        <p:spPr>
-          <a:xfrm>
-            <a:off x="685800" y="1981200"/>
-            <a:ext cx="7772400" cy="4503738"/>
-          </a:xfrm>
-        </p:spPr>
-        <p:txBody>
-          <a:bodyPr/>
-          <a:lstStyle/>
-          <a:p>
-            <a:r>
-              <a:rPr lang="en-US" altLang="en-US" sz="2800"/>
-              <a:t>Given our curve fitting technique, how will you calculate the baffle factor?</a:t>
-            </a:r>
-          </a:p>
-          <a:p>
-            <a:r>
-              <a:rPr lang="en-US" altLang="en-US" sz="2800"/>
-              <a:t>You could get a baffle factor based on when the model F curves pass through 0.1 or based on when the data F curve passes through 0.1</a:t>
-            </a:r>
-          </a:p>
-          <a:p>
-            <a:r>
-              <a:rPr lang="en-US" altLang="en-US" sz="2800"/>
-              <a:t>The data curve baffle factor will vary as the tracer mass and residence time are varied by solver! </a:t>
-            </a:r>
-          </a:p>
-          <a:p>
-            <a:r>
-              <a:rPr lang="en-US" altLang="en-US" sz="2800"/>
-              <a:t>In either case the baffle factor is only as good as the curve fit!</a:t>
-            </a:r>
-          </a:p>
-        </p:txBody>
-      </p:sp>
-    </p:spTree>
-  </p:cSld>
-  <p:clrMapOvr>
-    <a:masterClrMapping/>
-  </p:clrMapOvr>
-  <p:transition>
-    <p:fade/>
-  </p:transition>
-  <p:timing>
-    <p:tnLst>
-      <p:par>
-        <p:cTn id="1" dur="indefinite" restart="never" nodeType="tmRoot"/>
-      </p:par>
-    </p:tnLst>
-  </p:timing>
-</p:sld>
-</file>
-
-<file path=ppt/slides/slide6.xml><?xml version="1.0" encoding="utf-8"?>
-<p:sld xmlns:a="http://schemas.openxmlformats.org/drawingml/2006/main" xmlns:r="http://schemas.openxmlformats.org/officeDocument/2006/relationships" xmlns:p="http://schemas.openxmlformats.org/presentationml/2006/main">
-  <p:cSld>
-    <p:spTree>
-      <p:nvGrpSpPr>
-        <p:cNvPr id="1" name=""/>
-        <p:cNvGrpSpPr/>
-        <p:nvPr/>
-      </p:nvGrpSpPr>
-      <p:grpSpPr>
-        <a:xfrm>
-          <a:off x="0" y="0"/>
-          <a:ext cx="0" cy="0"/>
-          <a:chOff x="0" y="0"/>
-          <a:chExt cx="0" cy="0"/>
-        </a:xfrm>
-      </p:grpSpPr>
-      <p:sp>
-        <p:nvSpPr>
           <p:cNvPr id="21506" name="Rectangle 2"/>
           <p:cNvSpPr>
             <a:spLocks noGrp="1" noChangeArrowheads="1"/>
@@ -13612,7 +9619,7 @@
           <a:graphicData uri="http://schemas.openxmlformats.org/presentationml/2006/ole">
             <mc:AlternateContent xmlns:mc="http://schemas.openxmlformats.org/markup-compatibility/2006">
               <mc:Choice xmlns:v="urn:schemas-microsoft-com:vml" Requires="v">
-                <p:oleObj spid="_x0000_s21516" name="Equation" r:id="rId3" imgW="4000320" imgH="1193760" progId="Equation.DSMT4">
+                <p:oleObj spid="_x0000_s21518" name="Equation" r:id="rId3" imgW="4000320" imgH="1193760" progId="Equation.DSMT4">
                   <p:embed/>
                 </p:oleObj>
               </mc:Choice>
@@ -13682,7 +9689,7 @@
           <a:graphicData uri="http://schemas.openxmlformats.org/presentationml/2006/ole">
             <mc:AlternateContent xmlns:mc="http://schemas.openxmlformats.org/markup-compatibility/2006">
               <mc:Choice xmlns:v="urn:schemas-microsoft-com:vml" Requires="v">
-                <p:oleObj spid="_x0000_s21517" name="Equation" r:id="rId5" imgW="1091880" imgH="812520" progId="Equation.DSMT4">
+                <p:oleObj spid="_x0000_s21519" name="Equation" r:id="rId5" imgW="1091880" imgH="812520" progId="Equation.DSMT4">
                   <p:embed/>
                 </p:oleObj>
               </mc:Choice>
@@ -13822,7 +9829,7 @@
 </p:sld>
 </file>
 
-<file path=ppt/slides/slide7.xml><?xml version="1.0" encoding="utf-8"?>
+<file path=ppt/slides/slide4.xml><?xml version="1.0" encoding="utf-8"?>
 <p:sld xmlns:a="http://schemas.openxmlformats.org/drawingml/2006/main" xmlns:r="http://schemas.openxmlformats.org/officeDocument/2006/relationships" xmlns:p="http://schemas.openxmlformats.org/presentationml/2006/main">
   <p:cSld>
     <p:spTree>
@@ -13994,7 +10001,7 @@
 </p:sld>
 </file>
 
-<file path=ppt/slides/slide8.xml><?xml version="1.0" encoding="utf-8"?>
+<file path=ppt/slides/slide5.xml><?xml version="1.0" encoding="utf-8"?>
 <p:sld xmlns:a="http://schemas.openxmlformats.org/drawingml/2006/main" xmlns:r="http://schemas.openxmlformats.org/officeDocument/2006/relationships" xmlns:p="http://schemas.openxmlformats.org/presentationml/2006/main">
   <p:cSld>
     <p:spTree>
@@ -14155,7 +10162,7 @@
 </p:sld>
 </file>
 
-<file path=ppt/slides/slide9.xml><?xml version="1.0" encoding="utf-8"?>
+<file path=ppt/slides/slide6.xml><?xml version="1.0" encoding="utf-8"?>
 <p:sld xmlns:a="http://schemas.openxmlformats.org/drawingml/2006/main" xmlns:r="http://schemas.openxmlformats.org/officeDocument/2006/relationships" xmlns:p="http://schemas.openxmlformats.org/presentationml/2006/main">
   <p:cSld>
     <p:spTree>
@@ -14234,6 +10241,97 @@
           </a:p>
           <a:p>
             <a:endParaRPr lang="en-US" altLang="en-US" sz="2800"/>
+          </a:p>
+        </p:txBody>
+      </p:sp>
+    </p:spTree>
+  </p:cSld>
+  <p:clrMapOvr>
+    <a:masterClrMapping/>
+  </p:clrMapOvr>
+  <p:transition>
+    <p:fade/>
+  </p:transition>
+  <p:timing>
+    <p:tnLst>
+      <p:par>
+        <p:cTn id="1" dur="indefinite" restart="never" nodeType="tmRoot"/>
+      </p:par>
+    </p:tnLst>
+  </p:timing>
+</p:sld>
+</file>
+
+<file path=ppt/slides/slide7.xml><?xml version="1.0" encoding="utf-8"?>
+<p:sld xmlns:a="http://schemas.openxmlformats.org/drawingml/2006/main" xmlns:r="http://schemas.openxmlformats.org/officeDocument/2006/relationships" xmlns:p="http://schemas.openxmlformats.org/presentationml/2006/main">
+  <p:cSld>
+    <p:spTree>
+      <p:nvGrpSpPr>
+        <p:cNvPr id="1" name=""/>
+        <p:cNvGrpSpPr/>
+        <p:nvPr/>
+      </p:nvGrpSpPr>
+      <p:grpSpPr>
+        <a:xfrm>
+          <a:off x="0" y="0"/>
+          <a:ext cx="0" cy="0"/>
+          <a:chOff x="0" y="0"/>
+          <a:chExt cx="0" cy="0"/>
+        </a:xfrm>
+      </p:grpSpPr>
+      <p:sp>
+        <p:nvSpPr>
+          <p:cNvPr id="32770" name="Rectangle 2"/>
+          <p:cNvSpPr>
+            <a:spLocks noGrp="1" noChangeArrowheads="1"/>
+          </p:cNvSpPr>
+          <p:nvPr>
+            <p:ph type="title"/>
+          </p:nvPr>
+        </p:nvSpPr>
+        <p:spPr/>
+        <p:txBody>
+          <a:bodyPr/>
+          <a:lstStyle/>
+          <a:p>
+            <a:r>
+              <a:rPr lang="en-US" altLang="en-US"/>
+              <a:t>Suggestions and Comments</a:t>
+            </a:r>
+          </a:p>
+        </p:txBody>
+      </p:sp>
+      <p:sp>
+        <p:nvSpPr>
+          <p:cNvPr id="32771" name="Rectangle 3"/>
+          <p:cNvSpPr>
+            <a:spLocks noGrp="1" noChangeArrowheads="1"/>
+          </p:cNvSpPr>
+          <p:nvPr>
+            <p:ph idx="1"/>
+          </p:nvPr>
+        </p:nvSpPr>
+        <p:spPr/>
+        <p:txBody>
+          <a:bodyPr/>
+          <a:lstStyle/>
+          <a:p>
+            <a:r>
+              <a:rPr lang="en-US" altLang="en-US"/>
+              <a:t>The best ones focus on pedagogy (how could I improve the learning environment)</a:t>
+            </a:r>
+          </a:p>
+          <a:p>
+            <a:r>
+              <a:rPr lang="en-US" altLang="en-US"/>
+              <a:t>What are requirements that don’t produce much learning?</a:t>
+            </a:r>
+          </a:p>
+          <a:p>
+            <a:r>
+              <a:rPr lang="en-US" altLang="en-US"/>
+              <a:t>How could requirements be changed to increase the learning?</a:t>
+            </a:r>
           </a:p>
         </p:txBody>
       </p:sp>

--- a/website/pptx/Reactor_Reflections.pptx
+++ b/website/pptx/Reactor_Reflections.pptx
@@ -9619,7 +9619,7 @@
           <a:graphicData uri="http://schemas.openxmlformats.org/presentationml/2006/ole">
             <mc:AlternateContent xmlns:mc="http://schemas.openxmlformats.org/markup-compatibility/2006">
               <mc:Choice xmlns:v="urn:schemas-microsoft-com:vml" Requires="v">
-                <p:oleObj spid="_x0000_s21518" name="Equation" r:id="rId3" imgW="4000320" imgH="1193760" progId="Equation.DSMT4">
+                <p:oleObj spid="_x0000_s21522" name="Equation" r:id="rId3" imgW="4000320" imgH="1193760" progId="Equation.DSMT4">
                   <p:embed/>
                 </p:oleObj>
               </mc:Choice>
@@ -9689,7 +9689,7 @@
           <a:graphicData uri="http://schemas.openxmlformats.org/presentationml/2006/ole">
             <mc:AlternateContent xmlns:mc="http://schemas.openxmlformats.org/markup-compatibility/2006">
               <mc:Choice xmlns:v="urn:schemas-microsoft-com:vml" Requires="v">
-                <p:oleObj spid="_x0000_s21519" name="Equation" r:id="rId5" imgW="1091880" imgH="812520" progId="Equation.DSMT4">
+                <p:oleObj spid="_x0000_s21523" name="Equation" r:id="rId5" imgW="1091880" imgH="812520" progId="Equation.DSMT4">
                   <p:embed/>
                 </p:oleObj>
               </mc:Choice>
@@ -9889,7 +9889,7 @@
               </a:lnSpc>
             </a:pPr>
             <a:r>
-              <a:rPr lang="en-US" altLang="en-US" sz="2800"/>
+              <a:rPr lang="en-US" altLang="en-US" sz="2800" dirty="0"/>
               <a:t>When you write a report you are designing an experience for the reader</a:t>
             </a:r>
           </a:p>
@@ -9900,7 +9900,7 @@
               </a:lnSpc>
             </a:pPr>
             <a:r>
-              <a:rPr lang="en-US" altLang="en-US" sz="2800"/>
+              <a:rPr lang="en-US" altLang="en-US" sz="2800" dirty="0"/>
               <a:t>The reader experiences it linearly (sequentially!)</a:t>
             </a:r>
           </a:p>
@@ -9911,7 +9911,7 @@
               </a:lnSpc>
             </a:pPr>
             <a:r>
-              <a:rPr lang="en-US" altLang="en-US" sz="2800"/>
+              <a:rPr lang="en-US" altLang="en-US" sz="2800" dirty="0"/>
               <a:t>Prepare the reader</a:t>
             </a:r>
           </a:p>
@@ -9922,7 +9922,7 @@
               </a:lnSpc>
             </a:pPr>
             <a:r>
-              <a:rPr lang="en-US" altLang="en-US" sz="2400"/>
+              <a:rPr lang="en-US" altLang="en-US" sz="2400" dirty="0"/>
               <a:t>This is what you are going to see</a:t>
             </a:r>
           </a:p>
@@ -9933,7 +9933,7 @@
               </a:lnSpc>
             </a:pPr>
             <a:r>
-              <a:rPr lang="en-US" altLang="en-US" sz="2000"/>
+              <a:rPr lang="en-US" altLang="en-US" sz="2000" dirty="0"/>
               <a:t>Ex. emphasize what you want the reader to see in the next Figure</a:t>
             </a:r>
           </a:p>
@@ -9944,7 +9944,7 @@
               </a:lnSpc>
             </a:pPr>
             <a:r>
-              <a:rPr lang="en-US" altLang="en-US" sz="2400"/>
+              <a:rPr lang="en-US" altLang="en-US" sz="2400" dirty="0"/>
               <a:t>Show the figure (or equation)</a:t>
             </a:r>
           </a:p>
@@ -9955,9 +9955,14 @@
               </a:lnSpc>
             </a:pPr>
             <a:r>
-              <a:rPr lang="en-US" altLang="en-US" sz="2400"/>
-              <a:t>Tell the meaning of what you just saw</a:t>
-            </a:r>
+              <a:rPr lang="en-US" altLang="en-US" sz="2400" dirty="0"/>
+              <a:t>Tell the meaning of </a:t>
+            </a:r>
+            <a:r>
+              <a:rPr lang="en-US" altLang="en-US" sz="2400" dirty="0" smtClean="0"/>
+              <a:t>the figure or equation</a:t>
+            </a:r>
+            <a:endParaRPr lang="en-US" altLang="en-US" sz="2400" dirty="0"/>
           </a:p>
           <a:p>
             <a:pPr lvl="1">
@@ -9966,8 +9971,12 @@
               </a:lnSpc>
             </a:pPr>
             <a:r>
-              <a:rPr lang="en-US" altLang="en-US" sz="2400"/>
-              <a:t>How does this lead to the next step</a:t>
+              <a:rPr lang="en-US" altLang="en-US" sz="2400" dirty="0" smtClean="0"/>
+              <a:t>Explain how this leads </a:t>
+            </a:r>
+            <a:r>
+              <a:rPr lang="en-US" altLang="en-US" sz="2400" dirty="0"/>
+              <a:t>to the next step</a:t>
             </a:r>
           </a:p>
           <a:p>
@@ -9977,8 +9986,31 @@
               </a:lnSpc>
             </a:pPr>
             <a:r>
-              <a:rPr lang="en-US" altLang="en-US" sz="2400"/>
-              <a:t>The Story</a:t>
+              <a:rPr lang="en-US" altLang="en-US" sz="2400" dirty="0"/>
+              <a:t>The </a:t>
+            </a:r>
+            <a:r>
+              <a:rPr lang="en-US" altLang="en-US" sz="2400" dirty="0" smtClean="0"/>
+              <a:t>Story</a:t>
+            </a:r>
+          </a:p>
+          <a:p>
+            <a:pPr lvl="1">
+              <a:lnSpc>
+                <a:spcPct val="80000"/>
+              </a:lnSpc>
+            </a:pPr>
+            <a:endParaRPr lang="en-US" altLang="en-US" sz="2400" dirty="0"/>
+          </a:p>
+          <a:p>
+            <a:pPr>
+              <a:lnSpc>
+                <a:spcPct val="80000"/>
+              </a:lnSpc>
+            </a:pPr>
+            <a:r>
+              <a:rPr lang="en-US" altLang="en-US" sz="2800" dirty="0" smtClean="0"/>
+              <a:t>Include the details!!!!!!!!!!!!!!!!!!!!!!!!!!!!!!!!!!!!!!!!!!</a:t>
             </a:r>
           </a:p>
         </p:txBody>
@@ -10061,7 +10093,7 @@
               </a:lnSpc>
             </a:pPr>
             <a:r>
-              <a:rPr lang="en-US" altLang="en-US"/>
+              <a:rPr lang="en-US" altLang="en-US" dirty="0"/>
               <a:t>Look at your Discussion Section</a:t>
             </a:r>
           </a:p>
@@ -10072,7 +10104,7 @@
               </a:lnSpc>
             </a:pPr>
             <a:r>
-              <a:rPr lang="en-US" altLang="en-US"/>
+              <a:rPr lang="en-US" altLang="en-US" dirty="0"/>
               <a:t>Look at the overall order of the paragraphs</a:t>
             </a:r>
           </a:p>
@@ -10083,7 +10115,7 @@
               </a:lnSpc>
             </a:pPr>
             <a:r>
-              <a:rPr lang="en-US" altLang="en-US"/>
+              <a:rPr lang="en-US" altLang="en-US" dirty="0"/>
               <a:t>Read it as if you missed the last 3 weeks…</a:t>
             </a:r>
           </a:p>
@@ -10094,7 +10126,7 @@
               </a:lnSpc>
             </a:pPr>
             <a:r>
-              <a:rPr lang="en-US" altLang="en-US"/>
+              <a:rPr lang="en-US" altLang="en-US" dirty="0"/>
               <a:t>Is the order logical?</a:t>
             </a:r>
           </a:p>
@@ -10105,7 +10137,7 @@
               </a:lnSpc>
             </a:pPr>
             <a:r>
-              <a:rPr lang="en-US" altLang="en-US"/>
+              <a:rPr lang="en-US" altLang="en-US" dirty="0"/>
               <a:t>Is the reader missing information?</a:t>
             </a:r>
           </a:p>
@@ -10116,7 +10148,7 @@
               </a:lnSpc>
             </a:pPr>
             <a:r>
-              <a:rPr lang="en-US" altLang="en-US"/>
+              <a:rPr lang="en-US" altLang="en-US" dirty="0"/>
               <a:t>Read every sentence</a:t>
             </a:r>
           </a:p>
@@ -10127,7 +10159,7 @@
               </a:lnSpc>
             </a:pPr>
             <a:r>
-              <a:rPr lang="en-US" altLang="en-US"/>
+              <a:rPr lang="en-US" altLang="en-US" dirty="0"/>
               <a:t>Check for logic</a:t>
             </a:r>
           </a:p>
@@ -10138,9 +10170,40 @@
               </a:lnSpc>
             </a:pPr>
             <a:r>
-              <a:rPr lang="en-US" altLang="en-US"/>
-              <a:t>Make each sentence justify its existence</a:t>
-            </a:r>
+              <a:rPr lang="en-US" altLang="en-US" dirty="0"/>
+              <a:t>Make each sentence justify its </a:t>
+            </a:r>
+            <a:r>
+              <a:rPr lang="en-US" altLang="en-US" dirty="0" smtClean="0"/>
+              <a:t>existence</a:t>
+            </a:r>
+          </a:p>
+          <a:p>
+            <a:pPr>
+              <a:lnSpc>
+                <a:spcPct val="90000"/>
+              </a:lnSpc>
+            </a:pPr>
+            <a:r>
+              <a:rPr lang="en-US" altLang="en-US" dirty="0"/>
+              <a:t>Include the </a:t>
+            </a:r>
+            <a:r>
+              <a:rPr lang="en-US" altLang="en-US" dirty="0" smtClean="0"/>
+              <a:t>details</a:t>
+            </a:r>
+            <a:r>
+              <a:rPr lang="en-US" altLang="en-US" dirty="0"/>
+              <a:t>!!!!!!!!!!!!!!!!!!!!!!!!!!!!!!!!!!!!!!!!!!</a:t>
+            </a:r>
+          </a:p>
+          <a:p>
+            <a:pPr>
+              <a:lnSpc>
+                <a:spcPct val="90000"/>
+              </a:lnSpc>
+            </a:pPr>
+            <a:endParaRPr lang="en-US" altLang="en-US" dirty="0"/>
           </a:p>
         </p:txBody>
       </p:sp>
